--- a/DATS 6501 - Capstone Project - Aashish Nair.pptx
+++ b/DATS 6501 - Capstone Project - Aashish Nair.pptx
@@ -32,23 +32,24 @@
     <p:sldId id="277" r:id="rId26"/>
     <p:sldId id="278" r:id="rId27"/>
     <p:sldId id="279" r:id="rId28"/>
+    <p:sldId id="280" r:id="rId29"/>
   </p:sldIdLst>
   <p:sldSz cy="5143500" cx="9144000"/>
   <p:notesSz cx="6858000" cy="9144000"/>
   <p:embeddedFontLst>
     <p:embeddedFont>
       <p:font typeface="Montserrat"/>
-      <p:regular r:id="rId29"/>
-      <p:bold r:id="rId30"/>
-      <p:italic r:id="rId31"/>
-      <p:boldItalic r:id="rId32"/>
+      <p:regular r:id="rId30"/>
+      <p:bold r:id="rId31"/>
+      <p:italic r:id="rId32"/>
+      <p:boldItalic r:id="rId33"/>
     </p:embeddedFont>
     <p:embeddedFont>
       <p:font typeface="Lato"/>
-      <p:regular r:id="rId33"/>
-      <p:bold r:id="rId34"/>
-      <p:italic r:id="rId35"/>
-      <p:boldItalic r:id="rId36"/>
+      <p:regular r:id="rId34"/>
+      <p:bold r:id="rId35"/>
+      <p:italic r:id="rId36"/>
+      <p:boldItalic r:id="rId37"/>
     </p:embeddedFont>
   </p:embeddedFontLst>
   <p:defaultTextStyle>
@@ -813,7 +814,7 @@
   <p:cSld>
     <p:spTree>
       <p:nvGrpSpPr>
-        <p:cNvPr id="191" name="Shape 191"/>
+        <p:cNvPr id="194" name="Shape 194"/>
         <p:cNvGrpSpPr/>
         <p:nvPr/>
       </p:nvGrpSpPr>
@@ -827,7 +828,7 @@
       </p:grpSpPr>
       <p:sp>
         <p:nvSpPr>
-          <p:cNvPr id="192" name="Google Shape;192;gd395d073c4_0_217:notes"/>
+          <p:cNvPr id="195" name="Google Shape;195;gd395d073c4_0_175:notes"/>
           <p:cNvSpPr/>
           <p:nvPr>
             <p:ph idx="2" type="sldImg"/>
@@ -862,7 +863,7 @@
       </p:sp>
       <p:sp>
         <p:nvSpPr>
-          <p:cNvPr id="193" name="Google Shape;193;gd395d073c4_0_217:notes"/>
+          <p:cNvPr id="196" name="Google Shape;196;gd395d073c4_0_175:notes"/>
           <p:cNvSpPr txBox="1"/>
           <p:nvPr>
             <p:ph idx="1" type="body"/>
@@ -912,7 +913,7 @@
   <p:cSld>
     <p:spTree>
       <p:nvGrpSpPr>
-        <p:cNvPr id="197" name="Shape 197"/>
+        <p:cNvPr id="201" name="Shape 201"/>
         <p:cNvGrpSpPr/>
         <p:nvPr/>
       </p:nvGrpSpPr>
@@ -926,7 +927,7 @@
       </p:grpSpPr>
       <p:sp>
         <p:nvSpPr>
-          <p:cNvPr id="198" name="Google Shape;198;gd395d073c4_0_180:notes"/>
+          <p:cNvPr id="202" name="Google Shape;202;gd395d073c4_0_217:notes"/>
           <p:cNvSpPr/>
           <p:nvPr>
             <p:ph idx="2" type="sldImg"/>
@@ -961,7 +962,7 @@
       </p:sp>
       <p:sp>
         <p:nvSpPr>
-          <p:cNvPr id="199" name="Google Shape;199;gd395d073c4_0_180:notes"/>
+          <p:cNvPr id="203" name="Google Shape;203;gd395d073c4_0_217:notes"/>
           <p:cNvSpPr txBox="1"/>
           <p:nvPr>
             <p:ph idx="1" type="body"/>
@@ -1011,7 +1012,7 @@
   <p:cSld>
     <p:spTree>
       <p:nvGrpSpPr>
-        <p:cNvPr id="204" name="Shape 204"/>
+        <p:cNvPr id="207" name="Shape 207"/>
         <p:cNvGrpSpPr/>
         <p:nvPr/>
       </p:nvGrpSpPr>
@@ -1025,7 +1026,7 @@
       </p:grpSpPr>
       <p:sp>
         <p:nvSpPr>
-          <p:cNvPr id="205" name="Google Shape;205;gd395d073c4_0_150:notes"/>
+          <p:cNvPr id="208" name="Google Shape;208;gd395d073c4_0_180:notes"/>
           <p:cNvSpPr/>
           <p:nvPr>
             <p:ph idx="2" type="sldImg"/>
@@ -1060,7 +1061,7 @@
       </p:sp>
       <p:sp>
         <p:nvSpPr>
-          <p:cNvPr id="206" name="Google Shape;206;gd395d073c4_0_150:notes"/>
+          <p:cNvPr id="209" name="Google Shape;209;gd395d073c4_0_180:notes"/>
           <p:cNvSpPr txBox="1"/>
           <p:nvPr>
             <p:ph idx="1" type="body"/>
@@ -1110,7 +1111,7 @@
   <p:cSld>
     <p:spTree>
       <p:nvGrpSpPr>
-        <p:cNvPr id="210" name="Shape 210"/>
+        <p:cNvPr id="214" name="Shape 214"/>
         <p:cNvGrpSpPr/>
         <p:nvPr/>
       </p:nvGrpSpPr>
@@ -1124,7 +1125,7 @@
       </p:grpSpPr>
       <p:sp>
         <p:nvSpPr>
-          <p:cNvPr id="211" name="Google Shape;211;gd395d073c4_0_145:notes"/>
+          <p:cNvPr id="215" name="Google Shape;215;gd395d073c4_0_150:notes"/>
           <p:cNvSpPr/>
           <p:nvPr>
             <p:ph idx="2" type="sldImg"/>
@@ -1159,7 +1160,7 @@
       </p:sp>
       <p:sp>
         <p:nvSpPr>
-          <p:cNvPr id="212" name="Google Shape;212;gd395d073c4_0_145:notes"/>
+          <p:cNvPr id="216" name="Google Shape;216;gd395d073c4_0_150:notes"/>
           <p:cNvSpPr txBox="1"/>
           <p:nvPr>
             <p:ph idx="1" type="body"/>
@@ -1209,7 +1210,7 @@
   <p:cSld>
     <p:spTree>
       <p:nvGrpSpPr>
-        <p:cNvPr id="216" name="Shape 216"/>
+        <p:cNvPr id="220" name="Shape 220"/>
         <p:cNvGrpSpPr/>
         <p:nvPr/>
       </p:nvGrpSpPr>
@@ -1223,7 +1224,7 @@
       </p:grpSpPr>
       <p:sp>
         <p:nvSpPr>
-          <p:cNvPr id="217" name="Google Shape;217;gd395d073c4_0_185:notes"/>
+          <p:cNvPr id="221" name="Google Shape;221;gd395d073c4_0_145:notes"/>
           <p:cNvSpPr/>
           <p:nvPr>
             <p:ph idx="2" type="sldImg"/>
@@ -1258,7 +1259,7 @@
       </p:sp>
       <p:sp>
         <p:nvSpPr>
-          <p:cNvPr id="218" name="Google Shape;218;gd395d073c4_0_185:notes"/>
+          <p:cNvPr id="222" name="Google Shape;222;gd395d073c4_0_145:notes"/>
           <p:cNvSpPr txBox="1"/>
           <p:nvPr>
             <p:ph idx="1" type="body"/>
@@ -1308,7 +1309,7 @@
   <p:cSld>
     <p:spTree>
       <p:nvGrpSpPr>
-        <p:cNvPr id="223" name="Shape 223"/>
+        <p:cNvPr id="226" name="Shape 226"/>
         <p:cNvGrpSpPr/>
         <p:nvPr/>
       </p:nvGrpSpPr>
@@ -1322,7 +1323,7 @@
       </p:grpSpPr>
       <p:sp>
         <p:nvSpPr>
-          <p:cNvPr id="224" name="Google Shape;224;gd395d073c4_0_195:notes"/>
+          <p:cNvPr id="227" name="Google Shape;227;gd395d073c4_0_185:notes"/>
           <p:cNvSpPr/>
           <p:nvPr>
             <p:ph idx="2" type="sldImg"/>
@@ -1357,7 +1358,7 @@
       </p:sp>
       <p:sp>
         <p:nvSpPr>
-          <p:cNvPr id="225" name="Google Shape;225;gd395d073c4_0_195:notes"/>
+          <p:cNvPr id="228" name="Google Shape;228;gd395d073c4_0_185:notes"/>
           <p:cNvSpPr txBox="1"/>
           <p:nvPr>
             <p:ph idx="1" type="body"/>
@@ -1407,7 +1408,7 @@
   <p:cSld>
     <p:spTree>
       <p:nvGrpSpPr>
-        <p:cNvPr id="229" name="Shape 229"/>
+        <p:cNvPr id="233" name="Shape 233"/>
         <p:cNvGrpSpPr/>
         <p:nvPr/>
       </p:nvGrpSpPr>
@@ -1421,7 +1422,7 @@
       </p:grpSpPr>
       <p:sp>
         <p:nvSpPr>
-          <p:cNvPr id="230" name="Google Shape;230;gd5c2e31b09_0_2:notes"/>
+          <p:cNvPr id="234" name="Google Shape;234;gd395d073c4_0_195:notes"/>
           <p:cNvSpPr/>
           <p:nvPr>
             <p:ph idx="2" type="sldImg"/>
@@ -1456,7 +1457,7 @@
       </p:sp>
       <p:sp>
         <p:nvSpPr>
-          <p:cNvPr id="231" name="Google Shape;231;gd5c2e31b09_0_2:notes"/>
+          <p:cNvPr id="235" name="Google Shape;235;gd395d073c4_0_195:notes"/>
           <p:cNvSpPr txBox="1"/>
           <p:nvPr>
             <p:ph idx="1" type="body"/>
@@ -1506,7 +1507,7 @@
   <p:cSld>
     <p:spTree>
       <p:nvGrpSpPr>
-        <p:cNvPr id="235" name="Shape 235"/>
+        <p:cNvPr id="239" name="Shape 239"/>
         <p:cNvGrpSpPr/>
         <p:nvPr/>
       </p:nvGrpSpPr>
@@ -1520,7 +1521,7 @@
       </p:grpSpPr>
       <p:sp>
         <p:nvSpPr>
-          <p:cNvPr id="236" name="Google Shape;236;gd395d073c4_0_210:notes"/>
+          <p:cNvPr id="240" name="Google Shape;240;gd5c2e31b09_0_2:notes"/>
           <p:cNvSpPr/>
           <p:nvPr>
             <p:ph idx="2" type="sldImg"/>
@@ -1555,7 +1556,7 @@
       </p:sp>
       <p:sp>
         <p:nvSpPr>
-          <p:cNvPr id="237" name="Google Shape;237;gd395d073c4_0_210:notes"/>
+          <p:cNvPr id="241" name="Google Shape;241;gd5c2e31b09_0_2:notes"/>
           <p:cNvSpPr txBox="1"/>
           <p:nvPr>
             <p:ph idx="1" type="body"/>
@@ -1605,7 +1606,7 @@
   <p:cSld>
     <p:spTree>
       <p:nvGrpSpPr>
-        <p:cNvPr id="241" name="Shape 241"/>
+        <p:cNvPr id="245" name="Shape 245"/>
         <p:cNvGrpSpPr/>
         <p:nvPr/>
       </p:nvGrpSpPr>
@@ -1619,7 +1620,7 @@
       </p:grpSpPr>
       <p:sp>
         <p:nvSpPr>
-          <p:cNvPr id="242" name="Google Shape;242;gd395d073c4_0_190:notes"/>
+          <p:cNvPr id="246" name="Google Shape;246;gd395d073c4_0_210:notes"/>
           <p:cNvSpPr/>
           <p:nvPr>
             <p:ph idx="2" type="sldImg"/>
@@ -1654,7 +1655,7 @@
       </p:sp>
       <p:sp>
         <p:nvSpPr>
-          <p:cNvPr id="243" name="Google Shape;243;gd395d073c4_0_190:notes"/>
+          <p:cNvPr id="247" name="Google Shape;247;gd395d073c4_0_210:notes"/>
           <p:cNvSpPr txBox="1"/>
           <p:nvPr>
             <p:ph idx="1" type="body"/>
@@ -1704,7 +1705,7 @@
   <p:cSld>
     <p:spTree>
       <p:nvGrpSpPr>
-        <p:cNvPr id="247" name="Shape 247"/>
+        <p:cNvPr id="251" name="Shape 251"/>
         <p:cNvGrpSpPr/>
         <p:nvPr/>
       </p:nvGrpSpPr>
@@ -1718,7 +1719,7 @@
       </p:grpSpPr>
       <p:sp>
         <p:nvSpPr>
-          <p:cNvPr id="248" name="Google Shape;248;gd395d073c4_0_200:notes"/>
+          <p:cNvPr id="252" name="Google Shape;252;gd395d073c4_0_190:notes"/>
           <p:cNvSpPr/>
           <p:nvPr>
             <p:ph idx="2" type="sldImg"/>
@@ -1753,7 +1754,7 @@
       </p:sp>
       <p:sp>
         <p:nvSpPr>
-          <p:cNvPr id="249" name="Google Shape;249;gd395d073c4_0_200:notes"/>
+          <p:cNvPr id="253" name="Google Shape;253;gd395d073c4_0_190:notes"/>
           <p:cNvSpPr txBox="1"/>
           <p:nvPr>
             <p:ph idx="1" type="body"/>
@@ -1902,7 +1903,7 @@
   <p:cSld>
     <p:spTree>
       <p:nvGrpSpPr>
-        <p:cNvPr id="254" name="Shape 254"/>
+        <p:cNvPr id="257" name="Shape 257"/>
         <p:cNvGrpSpPr/>
         <p:nvPr/>
       </p:nvGrpSpPr>
@@ -1916,7 +1917,7 @@
       </p:grpSpPr>
       <p:sp>
         <p:nvSpPr>
-          <p:cNvPr id="255" name="Google Shape;255;gd395d073c4_0_205:notes"/>
+          <p:cNvPr id="258" name="Google Shape;258;gd395d073c4_0_200:notes"/>
           <p:cNvSpPr/>
           <p:nvPr>
             <p:ph idx="2" type="sldImg"/>
@@ -1951,7 +1952,7 @@
       </p:sp>
       <p:sp>
         <p:nvSpPr>
-          <p:cNvPr id="256" name="Google Shape;256;gd395d073c4_0_205:notes"/>
+          <p:cNvPr id="259" name="Google Shape;259;gd395d073c4_0_200:notes"/>
           <p:cNvSpPr txBox="1"/>
           <p:nvPr>
             <p:ph idx="1" type="body"/>
@@ -2001,7 +2002,7 @@
   <p:cSld>
     <p:spTree>
       <p:nvGrpSpPr>
-        <p:cNvPr id="261" name="Shape 261"/>
+        <p:cNvPr id="264" name="Shape 264"/>
         <p:cNvGrpSpPr/>
         <p:nvPr/>
       </p:nvGrpSpPr>
@@ -2015,7 +2016,7 @@
       </p:grpSpPr>
       <p:sp>
         <p:nvSpPr>
-          <p:cNvPr id="262" name="Google Shape;262;gd5dad12214_0_0:notes"/>
+          <p:cNvPr id="265" name="Google Shape;265;gd395d073c4_0_205:notes"/>
           <p:cNvSpPr/>
           <p:nvPr>
             <p:ph idx="2" type="sldImg"/>
@@ -2050,7 +2051,7 @@
       </p:sp>
       <p:sp>
         <p:nvSpPr>
-          <p:cNvPr id="263" name="Google Shape;263;gd5dad12214_0_0:notes"/>
+          <p:cNvPr id="266" name="Google Shape;266;gd395d073c4_0_205:notes"/>
           <p:cNvSpPr txBox="1"/>
           <p:nvPr>
             <p:ph idx="1" type="body"/>
@@ -2100,7 +2101,7 @@
   <p:cSld>
     <p:spTree>
       <p:nvGrpSpPr>
-        <p:cNvPr id="267" name="Shape 267"/>
+        <p:cNvPr id="271" name="Shape 271"/>
         <p:cNvGrpSpPr/>
         <p:nvPr/>
       </p:nvGrpSpPr>
@@ -2114,7 +2115,7 @@
       </p:grpSpPr>
       <p:sp>
         <p:nvSpPr>
-          <p:cNvPr id="268" name="Google Shape;268;gd395d073c4_0_155:notes"/>
+          <p:cNvPr id="272" name="Google Shape;272;gd5dad12214_0_0:notes"/>
           <p:cNvSpPr/>
           <p:nvPr>
             <p:ph idx="2" type="sldImg"/>
@@ -2149,7 +2150,7 @@
       </p:sp>
       <p:sp>
         <p:nvSpPr>
-          <p:cNvPr id="269" name="Google Shape;269;gd395d073c4_0_155:notes"/>
+          <p:cNvPr id="273" name="Google Shape;273;gd5dad12214_0_0:notes"/>
           <p:cNvSpPr txBox="1"/>
           <p:nvPr>
             <p:ph idx="1" type="body"/>
@@ -2199,7 +2200,7 @@
   <p:cSld>
     <p:spTree>
       <p:nvGrpSpPr>
-        <p:cNvPr id="273" name="Shape 273"/>
+        <p:cNvPr id="277" name="Shape 277"/>
         <p:cNvGrpSpPr/>
         <p:nvPr/>
       </p:nvGrpSpPr>
@@ -2213,7 +2214,7 @@
       </p:grpSpPr>
       <p:sp>
         <p:nvSpPr>
-          <p:cNvPr id="274" name="Google Shape;274;gd395d073c4_0_160:notes"/>
+          <p:cNvPr id="278" name="Google Shape;278;gd395d073c4_0_155:notes"/>
           <p:cNvSpPr/>
           <p:nvPr>
             <p:ph idx="2" type="sldImg"/>
@@ -2248,7 +2249,7 @@
       </p:sp>
       <p:sp>
         <p:nvSpPr>
-          <p:cNvPr id="275" name="Google Shape;275;gd395d073c4_0_160:notes"/>
+          <p:cNvPr id="279" name="Google Shape;279;gd395d073c4_0_155:notes"/>
           <p:cNvSpPr txBox="1"/>
           <p:nvPr>
             <p:ph idx="1" type="body"/>
@@ -2298,7 +2299,7 @@
   <p:cSld>
     <p:spTree>
       <p:nvGrpSpPr>
-        <p:cNvPr id="279" name="Shape 279"/>
+        <p:cNvPr id="283" name="Shape 283"/>
         <p:cNvGrpSpPr/>
         <p:nvPr/>
       </p:nvGrpSpPr>
@@ -2312,7 +2313,7 @@
       </p:grpSpPr>
       <p:sp>
         <p:nvSpPr>
-          <p:cNvPr id="280" name="Google Shape;280;gd5c2e31b09_0_12:notes"/>
+          <p:cNvPr id="284" name="Google Shape;284;gd395d073c4_0_160:notes"/>
           <p:cNvSpPr/>
           <p:nvPr>
             <p:ph idx="2" type="sldImg"/>
@@ -2347,7 +2348,106 @@
       </p:sp>
       <p:sp>
         <p:nvSpPr>
-          <p:cNvPr id="281" name="Google Shape;281;gd5c2e31b09_0_12:notes"/>
+          <p:cNvPr id="285" name="Google Shape;285;gd395d073c4_0_160:notes"/>
+          <p:cNvSpPr txBox="1"/>
+          <p:nvPr>
+            <p:ph idx="1" type="body"/>
+          </p:nvPr>
+        </p:nvSpPr>
+        <p:spPr>
+          <a:xfrm>
+            <a:off x="685800" y="4343400"/>
+            <a:ext cx="5486400" cy="4114800"/>
+          </a:xfrm>
+          <a:prstGeom prst="rect">
+            <a:avLst/>
+          </a:prstGeom>
+        </p:spPr>
+        <p:txBody>
+          <a:bodyPr anchorCtr="0" anchor="t" bIns="91425" lIns="91425" spcFirstLastPara="1" rIns="91425" wrap="square" tIns="91425">
+            <a:noAutofit/>
+          </a:bodyPr>
+          <a:lstStyle/>
+          <a:p>
+            <a:pPr indent="0" lvl="0" marL="0" rtl="0" algn="l">
+              <a:spcBef>
+                <a:spcPts val="0"/>
+              </a:spcBef>
+              <a:spcAft>
+                <a:spcPts val="0"/>
+              </a:spcAft>
+              <a:buNone/>
+            </a:pPr>
+            <a:r>
+              <a:t/>
+            </a:r>
+            <a:endParaRPr/>
+          </a:p>
+        </p:txBody>
+      </p:sp>
+    </p:spTree>
+  </p:cSld>
+  <p:clrMapOvr>
+    <a:masterClrMapping/>
+  </p:clrMapOvr>
+</p:notes>
+</file>
+
+<file path=ppt/notesSlides/notesSlide25.xml><?xml version="1.0" encoding="utf-8"?>
+<p:notes xmlns:a="http://schemas.openxmlformats.org/drawingml/2006/main" xmlns:r="http://schemas.openxmlformats.org/officeDocument/2006/relationships" xmlns:mc="http://schemas.openxmlformats.org/markup-compatibility/2006" xmlns:mv="urn:schemas-microsoft-com:mac:vml" xmlns:p="http://schemas.openxmlformats.org/presentationml/2006/main" xmlns:c="http://schemas.openxmlformats.org/drawingml/2006/chart" xmlns:dgm="http://schemas.openxmlformats.org/drawingml/2006/diagram" xmlns:o="urn:schemas-microsoft-com:office:office" xmlns:v="urn:schemas-microsoft-com:vml" xmlns:pvml="urn:schemas-microsoft-com:office:powerpoint" xmlns:com="http://schemas.openxmlformats.org/drawingml/2006/compatibility" xmlns:p14="http://schemas.microsoft.com/office/powerpoint/2010/main" xmlns:p15="http://schemas.microsoft.com/office/powerpoint/2012/main" xmlns:ahyp="http://schemas.microsoft.com/office/drawing/2018/hyperlinkcolor" showMasterPhAnim="0" showMasterSp="0">
+  <p:cSld>
+    <p:spTree>
+      <p:nvGrpSpPr>
+        <p:cNvPr id="289" name="Shape 289"/>
+        <p:cNvGrpSpPr/>
+        <p:nvPr/>
+      </p:nvGrpSpPr>
+      <p:grpSpPr>
+        <a:xfrm>
+          <a:off x="0" y="0"/>
+          <a:ext cx="0" cy="0"/>
+          <a:chOff x="0" y="0"/>
+          <a:chExt cx="0" cy="0"/>
+        </a:xfrm>
+      </p:grpSpPr>
+      <p:sp>
+        <p:nvSpPr>
+          <p:cNvPr id="290" name="Google Shape;290;gd5c2e31b09_0_12:notes"/>
+          <p:cNvSpPr/>
+          <p:nvPr>
+            <p:ph idx="2" type="sldImg"/>
+          </p:nvPr>
+        </p:nvSpPr>
+        <p:spPr>
+          <a:xfrm>
+            <a:off x="381300" y="685800"/>
+            <a:ext cx="6096000" cy="3429000"/>
+          </a:xfrm>
+          <a:custGeom>
+            <a:rect b="b" l="l" r="r" t="t"/>
+            <a:pathLst>
+              <a:path extrusionOk="0" h="120000" w="120000">
+                <a:moveTo>
+                  <a:pt x="0" y="0"/>
+                </a:moveTo>
+                <a:lnTo>
+                  <a:pt x="120000" y="0"/>
+                </a:lnTo>
+                <a:lnTo>
+                  <a:pt x="120000" y="120000"/>
+                </a:lnTo>
+                <a:lnTo>
+                  <a:pt x="0" y="120000"/>
+                </a:lnTo>
+                <a:close/>
+              </a:path>
+            </a:pathLst>
+          </a:custGeom>
+        </p:spPr>
+      </p:sp>
+      <p:sp>
+        <p:nvSpPr>
+          <p:cNvPr id="291" name="Google Shape;291;gd5c2e31b09_0_12:notes"/>
           <p:cNvSpPr txBox="1"/>
           <p:nvPr>
             <p:ph idx="1" type="body"/>
@@ -2609,7 +2709,7 @@
       </p:grpSpPr>
       <p:sp>
         <p:nvSpPr>
-          <p:cNvPr id="158" name="Google Shape;158;gd395d073c4_0_135:notes"/>
+          <p:cNvPr id="158" name="Google Shape;158;gd161057063_0_0:notes"/>
           <p:cNvSpPr/>
           <p:nvPr>
             <p:ph idx="2" type="sldImg"/>
@@ -2644,7 +2744,7 @@
       </p:sp>
       <p:sp>
         <p:nvSpPr>
-          <p:cNvPr id="159" name="Google Shape;159;gd395d073c4_0_135:notes"/>
+          <p:cNvPr id="159" name="Google Shape;159;gd161057063_0_0:notes"/>
           <p:cNvSpPr txBox="1"/>
           <p:nvPr>
             <p:ph idx="1" type="body"/>
@@ -2694,7 +2794,7 @@
   <p:cSld>
     <p:spTree>
       <p:nvGrpSpPr>
-        <p:cNvPr id="164" name="Shape 164"/>
+        <p:cNvPr id="167" name="Shape 167"/>
         <p:cNvGrpSpPr/>
         <p:nvPr/>
       </p:nvGrpSpPr>
@@ -2708,7 +2808,7 @@
       </p:grpSpPr>
       <p:sp>
         <p:nvSpPr>
-          <p:cNvPr id="165" name="Google Shape;165;gd395d073c4_0_170:notes"/>
+          <p:cNvPr id="168" name="Google Shape;168;gd395d073c4_0_135:notes"/>
           <p:cNvSpPr/>
           <p:nvPr>
             <p:ph idx="2" type="sldImg"/>
@@ -2743,7 +2843,7 @@
       </p:sp>
       <p:sp>
         <p:nvSpPr>
-          <p:cNvPr id="166" name="Google Shape;166;gd395d073c4_0_170:notes"/>
+          <p:cNvPr id="169" name="Google Shape;169;gd395d073c4_0_135:notes"/>
           <p:cNvSpPr txBox="1"/>
           <p:nvPr>
             <p:ph idx="1" type="body"/>
@@ -2793,7 +2893,7 @@
   <p:cSld>
     <p:spTree>
       <p:nvGrpSpPr>
-        <p:cNvPr id="171" name="Shape 171"/>
+        <p:cNvPr id="174" name="Shape 174"/>
         <p:cNvGrpSpPr/>
         <p:nvPr/>
       </p:nvGrpSpPr>
@@ -2807,7 +2907,7 @@
       </p:grpSpPr>
       <p:sp>
         <p:nvSpPr>
-          <p:cNvPr id="172" name="Google Shape;172;gd5c2e31b09_0_36:notes"/>
+          <p:cNvPr id="175" name="Google Shape;175;gd395d073c4_0_170:notes"/>
           <p:cNvSpPr/>
           <p:nvPr>
             <p:ph idx="2" type="sldImg"/>
@@ -2842,7 +2942,7 @@
       </p:sp>
       <p:sp>
         <p:nvSpPr>
-          <p:cNvPr id="173" name="Google Shape;173;gd5c2e31b09_0_36:notes"/>
+          <p:cNvPr id="176" name="Google Shape;176;gd395d073c4_0_170:notes"/>
           <p:cNvSpPr txBox="1"/>
           <p:nvPr>
             <p:ph idx="1" type="body"/>
@@ -2892,7 +2992,7 @@
   <p:cSld>
     <p:spTree>
       <p:nvGrpSpPr>
-        <p:cNvPr id="178" name="Shape 178"/>
+        <p:cNvPr id="181" name="Shape 181"/>
         <p:cNvGrpSpPr/>
         <p:nvPr/>
       </p:nvGrpSpPr>
@@ -2906,7 +3006,7 @@
       </p:grpSpPr>
       <p:sp>
         <p:nvSpPr>
-          <p:cNvPr id="179" name="Google Shape;179;gd395d073c4_0_140:notes"/>
+          <p:cNvPr id="182" name="Google Shape;182;gd5c2e31b09_0_36:notes"/>
           <p:cNvSpPr/>
           <p:nvPr>
             <p:ph idx="2" type="sldImg"/>
@@ -2941,7 +3041,7 @@
       </p:sp>
       <p:sp>
         <p:nvSpPr>
-          <p:cNvPr id="180" name="Google Shape;180;gd395d073c4_0_140:notes"/>
+          <p:cNvPr id="183" name="Google Shape;183;gd5c2e31b09_0_36:notes"/>
           <p:cNvSpPr txBox="1"/>
           <p:nvPr>
             <p:ph idx="1" type="body"/>
@@ -2991,7 +3091,7 @@
   <p:cSld>
     <p:spTree>
       <p:nvGrpSpPr>
-        <p:cNvPr id="184" name="Shape 184"/>
+        <p:cNvPr id="188" name="Shape 188"/>
         <p:cNvGrpSpPr/>
         <p:nvPr/>
       </p:nvGrpSpPr>
@@ -3005,7 +3105,7 @@
       </p:grpSpPr>
       <p:sp>
         <p:nvSpPr>
-          <p:cNvPr id="185" name="Google Shape;185;gd395d073c4_0_175:notes"/>
+          <p:cNvPr id="189" name="Google Shape;189;gd395d073c4_0_140:notes"/>
           <p:cNvSpPr/>
           <p:nvPr>
             <p:ph idx="2" type="sldImg"/>
@@ -3040,7 +3140,7 @@
       </p:sp>
       <p:sp>
         <p:nvSpPr>
-          <p:cNvPr id="186" name="Google Shape;186;gd395d073c4_0_175:notes"/>
+          <p:cNvPr id="190" name="Google Shape;190;gd395d073c4_0_140:notes"/>
           <p:cNvSpPr txBox="1"/>
           <p:nvPr>
             <p:ph idx="1" type="body"/>
@@ -11417,7 +11517,7 @@
   <p:cSld>
     <p:spTree>
       <p:nvGrpSpPr>
-        <p:cNvPr id="194" name="Shape 194"/>
+        <p:cNvPr id="197" name="Shape 197"/>
         <p:cNvGrpSpPr/>
         <p:nvPr/>
       </p:nvGrpSpPr>
@@ -11431,7 +11531,7 @@
       </p:grpSpPr>
       <p:sp>
         <p:nvSpPr>
-          <p:cNvPr id="195" name="Google Shape;195;p22"/>
+          <p:cNvPr id="198" name="Google Shape;198;p22"/>
           <p:cNvSpPr txBox="1"/>
           <p:nvPr>
             <p:ph type="title"/>
@@ -11463,7 +11563,7 @@
             </a:pPr>
             <a:r>
               <a:rPr lang="en"/>
-              <a:t>LSTM results summary</a:t>
+              <a:t>Recurrent Neural Network Models</a:t>
             </a:r>
             <a:endParaRPr/>
           </a:p>
@@ -11471,7 +11571,7 @@
       </p:sp>
       <p:sp>
         <p:nvSpPr>
-          <p:cNvPr id="196" name="Google Shape;196;p22"/>
+          <p:cNvPr id="199" name="Google Shape;199;p22"/>
           <p:cNvSpPr txBox="1"/>
           <p:nvPr>
             <p:ph idx="1" type="body"/>
@@ -11504,7 +11604,49 @@
             </a:pPr>
             <a:r>
               <a:rPr lang="en"/>
-              <a:t>LSTM models performance is underwhelming</a:t>
+              <a:t>Train a model to predict the following character of a given sequence</a:t>
+            </a:r>
+            <a:endParaRPr/>
+          </a:p>
+          <a:p>
+            <a:pPr indent="-311150" lvl="0" marL="457200" rtl="0" algn="l">
+              <a:spcBef>
+                <a:spcPts val="0"/>
+              </a:spcBef>
+              <a:spcAft>
+                <a:spcPts val="0"/>
+              </a:spcAft>
+              <a:buSzPts val="1300"/>
+              <a:buChar char="●"/>
+            </a:pPr>
+            <a:r>
+              <a:rPr lang="en"/>
+              <a:t>Tweets turned into sequences with 50 characters with 1 </a:t>
+            </a:r>
+            <a:r>
+              <a:rPr lang="en"/>
+              <a:t>character</a:t>
+            </a:r>
+            <a:r>
+              <a:rPr lang="en"/>
+              <a:t> output</a:t>
+            </a:r>
+            <a:endParaRPr/>
+          </a:p>
+          <a:p>
+            <a:pPr indent="-311150" lvl="0" marL="457200" rtl="0" algn="l">
+              <a:spcBef>
+                <a:spcPts val="0"/>
+              </a:spcBef>
+              <a:spcAft>
+                <a:spcPts val="0"/>
+              </a:spcAft>
+              <a:buSzPts val="1300"/>
+              <a:buChar char="●"/>
+            </a:pPr>
+            <a:r>
+              <a:rPr lang="en"/>
+              <a:t>Two models:</a:t>
             </a:r>
             <a:endParaRPr/>
           </a:p>
@@ -11521,7 +11663,7 @@
             </a:pPr>
             <a:r>
               <a:rPr lang="en"/>
-              <a:t>Multiple typos in each sentence</a:t>
+              <a:t>1 baseline (No complexities)</a:t>
             </a:r>
             <a:endParaRPr/>
           </a:p>
@@ -11538,7 +11680,24 @@
             </a:pPr>
             <a:r>
               <a:rPr lang="en"/>
-              <a:t>Grammatical errors</a:t>
+              <a:t>1 modified </a:t>
+            </a:r>
+            <a:endParaRPr/>
+          </a:p>
+          <a:p>
+            <a:pPr indent="-311150" lvl="0" marL="457200" rtl="0" algn="l">
+              <a:spcBef>
+                <a:spcPts val="0"/>
+              </a:spcBef>
+              <a:spcAft>
+                <a:spcPts val="0"/>
+              </a:spcAft>
+              <a:buSzPts val="1300"/>
+              <a:buChar char="●"/>
+            </a:pPr>
+            <a:r>
+              <a:rPr lang="en"/>
+              <a:t>Tweaked parameters:</a:t>
             </a:r>
             <a:endParaRPr/>
           </a:p>
@@ -11555,39 +11714,7 @@
             </a:pPr>
             <a:r>
               <a:rPr lang="en"/>
-              <a:t>Unqualified for evaluation with performance metrics</a:t>
-            </a:r>
-            <a:endParaRPr/>
-          </a:p>
-          <a:p>
-            <a:pPr indent="0" lvl="0" marL="914400" rtl="0" algn="l">
-              <a:spcBef>
-                <a:spcPts val="1200"/>
-              </a:spcBef>
-              <a:spcAft>
-                <a:spcPts val="0"/>
-              </a:spcAft>
-              <a:buNone/>
-            </a:pPr>
-            <a:r>
-              <a:t/>
-            </a:r>
-            <a:endParaRPr/>
-          </a:p>
-          <a:p>
-            <a:pPr indent="-311150" lvl="0" marL="457200" rtl="0" algn="l">
-              <a:spcBef>
-                <a:spcPts val="1200"/>
-              </a:spcBef>
-              <a:spcAft>
-                <a:spcPts val="0"/>
-              </a:spcAft>
-              <a:buSzPts val="1300"/>
-              <a:buChar char="●"/>
-            </a:pPr>
-            <a:r>
-              <a:rPr lang="en"/>
-              <a:t>Sample text:</a:t>
+              <a:t>Number of layers and  neurons</a:t>
             </a:r>
             <a:endParaRPr/>
           </a:p>
@@ -11604,7 +11731,7 @@
             </a:pPr>
             <a:r>
               <a:rPr lang="en"/>
-              <a:t>“we must courag our wa oved on the fice”</a:t>
+              <a:t>Activation function</a:t>
             </a:r>
             <a:endParaRPr/>
           </a:p>
@@ -11621,7 +11748,7 @@
             </a:pPr>
             <a:r>
               <a:rPr lang="en"/>
-              <a:t>“wish make in feal this millions an e why with full at of fight parts”</a:t>
+              <a:t>Learning rate</a:t>
             </a:r>
             <a:endParaRPr/>
           </a:p>
@@ -11638,12 +11765,12 @@
             </a:pPr>
             <a:r>
               <a:rPr lang="en"/>
-              <a:t>“i will have a their bring life  sponer fight.”</a:t>
-            </a:r>
-            <a:endParaRPr/>
-          </a:p>
-          <a:p>
-            <a:pPr indent="0" lvl="0" marL="914400" rtl="0" algn="l">
+              <a:t>Temperature </a:t>
+            </a:r>
+            <a:endParaRPr/>
+          </a:p>
+          <a:p>
+            <a:pPr indent="0" lvl="0" marL="457200" rtl="0" algn="l">
               <a:spcBef>
                 <a:spcPts val="1200"/>
               </a:spcBef>
@@ -11659,6 +11786,33 @@
           </a:p>
         </p:txBody>
       </p:sp>
+      <p:pic>
+        <p:nvPicPr>
+          <p:cNvPr id="200" name="Google Shape;200;p22"/>
+          <p:cNvPicPr preferRelativeResize="0"/>
+          <p:nvPr/>
+        </p:nvPicPr>
+        <p:blipFill rotWithShape="1">
+          <a:blip r:embed="rId3">
+            <a:alphaModFix/>
+          </a:blip>
+          <a:srcRect b="0" l="7295" r="7073" t="0"/>
+          <a:stretch/>
+        </p:blipFill>
+        <p:spPr>
+          <a:xfrm>
+            <a:off x="4586275" y="2505675"/>
+            <a:ext cx="4275525" cy="1336500"/>
+          </a:xfrm>
+          <a:prstGeom prst="rect">
+            <a:avLst/>
+          </a:prstGeom>
+          <a:noFill/>
+          <a:ln>
+            <a:noFill/>
+          </a:ln>
+        </p:spPr>
+      </p:pic>
     </p:spTree>
   </p:cSld>
   <p:clrMapOvr>
@@ -11672,7 +11826,7 @@
   <p:cSld>
     <p:spTree>
       <p:nvGrpSpPr>
-        <p:cNvPr id="200" name="Shape 200"/>
+        <p:cNvPr id="204" name="Shape 204"/>
         <p:cNvGrpSpPr/>
         <p:nvPr/>
       </p:nvGrpSpPr>
@@ -11686,7 +11840,7 @@
       </p:grpSpPr>
       <p:sp>
         <p:nvSpPr>
-          <p:cNvPr id="201" name="Google Shape;201;p23"/>
+          <p:cNvPr id="205" name="Google Shape;205;p23"/>
           <p:cNvSpPr txBox="1"/>
           <p:nvPr>
             <p:ph type="title"/>
@@ -11718,7 +11872,7 @@
             </a:pPr>
             <a:r>
               <a:rPr lang="en"/>
-              <a:t>GPT-2 Model</a:t>
+              <a:t>LSTM results summary</a:t>
             </a:r>
             <a:endParaRPr/>
           </a:p>
@@ -11726,7 +11880,262 @@
       </p:sp>
       <p:sp>
         <p:nvSpPr>
-          <p:cNvPr id="202" name="Google Shape;202;p23"/>
+          <p:cNvPr id="206" name="Google Shape;206;p23"/>
+          <p:cNvSpPr txBox="1"/>
+          <p:nvPr>
+            <p:ph idx="1" type="body"/>
+          </p:nvPr>
+        </p:nvSpPr>
+        <p:spPr>
+          <a:xfrm>
+            <a:off x="1297500" y="1567550"/>
+            <a:ext cx="7038900" cy="2911200"/>
+          </a:xfrm>
+          <a:prstGeom prst="rect">
+            <a:avLst/>
+          </a:prstGeom>
+        </p:spPr>
+        <p:txBody>
+          <a:bodyPr anchorCtr="0" anchor="t" bIns="91425" lIns="91425" spcFirstLastPara="1" rIns="91425" wrap="square" tIns="91425">
+            <a:normAutofit/>
+          </a:bodyPr>
+          <a:lstStyle/>
+          <a:p>
+            <a:pPr indent="-311150" lvl="0" marL="457200" rtl="0" algn="l">
+              <a:spcBef>
+                <a:spcPts val="0"/>
+              </a:spcBef>
+              <a:spcAft>
+                <a:spcPts val="0"/>
+              </a:spcAft>
+              <a:buSzPts val="1300"/>
+              <a:buChar char="●"/>
+            </a:pPr>
+            <a:r>
+              <a:rPr lang="en"/>
+              <a:t>LSTM models performance is underwhelming</a:t>
+            </a:r>
+            <a:endParaRPr/>
+          </a:p>
+          <a:p>
+            <a:pPr indent="-298450" lvl="1" marL="914400" rtl="0" algn="l">
+              <a:spcBef>
+                <a:spcPts val="0"/>
+              </a:spcBef>
+              <a:spcAft>
+                <a:spcPts val="0"/>
+              </a:spcAft>
+              <a:buSzPts val="1100"/>
+              <a:buChar char="○"/>
+            </a:pPr>
+            <a:r>
+              <a:rPr lang="en"/>
+              <a:t>Multiple typos in each sentence</a:t>
+            </a:r>
+            <a:endParaRPr/>
+          </a:p>
+          <a:p>
+            <a:pPr indent="-298450" lvl="1" marL="914400" rtl="0" algn="l">
+              <a:spcBef>
+                <a:spcPts val="0"/>
+              </a:spcBef>
+              <a:spcAft>
+                <a:spcPts val="0"/>
+              </a:spcAft>
+              <a:buSzPts val="1100"/>
+              <a:buChar char="○"/>
+            </a:pPr>
+            <a:r>
+              <a:rPr lang="en"/>
+              <a:t>Grammatical errors</a:t>
+            </a:r>
+            <a:endParaRPr/>
+          </a:p>
+          <a:p>
+            <a:pPr indent="-298450" lvl="1" marL="914400" rtl="0" algn="l">
+              <a:spcBef>
+                <a:spcPts val="0"/>
+              </a:spcBef>
+              <a:spcAft>
+                <a:spcPts val="0"/>
+              </a:spcAft>
+              <a:buSzPts val="1100"/>
+              <a:buChar char="○"/>
+            </a:pPr>
+            <a:r>
+              <a:rPr lang="en"/>
+              <a:t>Unqualified for evaluation with performance metrics</a:t>
+            </a:r>
+            <a:endParaRPr/>
+          </a:p>
+          <a:p>
+            <a:pPr indent="0" lvl="0" marL="914400" rtl="0" algn="l">
+              <a:spcBef>
+                <a:spcPts val="1200"/>
+              </a:spcBef>
+              <a:spcAft>
+                <a:spcPts val="0"/>
+              </a:spcAft>
+              <a:buNone/>
+            </a:pPr>
+            <a:r>
+              <a:t/>
+            </a:r>
+            <a:endParaRPr/>
+          </a:p>
+          <a:p>
+            <a:pPr indent="-311150" lvl="0" marL="457200" rtl="0" algn="l">
+              <a:spcBef>
+                <a:spcPts val="1200"/>
+              </a:spcBef>
+              <a:spcAft>
+                <a:spcPts val="0"/>
+              </a:spcAft>
+              <a:buSzPts val="1300"/>
+              <a:buChar char="●"/>
+            </a:pPr>
+            <a:r>
+              <a:rPr lang="en"/>
+              <a:t>Sample text:</a:t>
+            </a:r>
+            <a:endParaRPr/>
+          </a:p>
+          <a:p>
+            <a:pPr indent="-298450" lvl="1" marL="914400" rtl="0" algn="l">
+              <a:spcBef>
+                <a:spcPts val="0"/>
+              </a:spcBef>
+              <a:spcAft>
+                <a:spcPts val="0"/>
+              </a:spcAft>
+              <a:buSzPts val="1100"/>
+              <a:buChar char="○"/>
+            </a:pPr>
+            <a:r>
+              <a:rPr lang="en"/>
+              <a:t>“we must courag our wa oved on the fice”</a:t>
+            </a:r>
+            <a:endParaRPr/>
+          </a:p>
+          <a:p>
+            <a:pPr indent="-298450" lvl="1" marL="914400" rtl="0" algn="l">
+              <a:spcBef>
+                <a:spcPts val="0"/>
+              </a:spcBef>
+              <a:spcAft>
+                <a:spcPts val="0"/>
+              </a:spcAft>
+              <a:buSzPts val="1100"/>
+              <a:buChar char="○"/>
+            </a:pPr>
+            <a:r>
+              <a:rPr lang="en"/>
+              <a:t>“wish make in feal this millions an e why with full at of fight parts”</a:t>
+            </a:r>
+            <a:endParaRPr/>
+          </a:p>
+          <a:p>
+            <a:pPr indent="-298450" lvl="1" marL="914400" rtl="0" algn="l">
+              <a:spcBef>
+                <a:spcPts val="0"/>
+              </a:spcBef>
+              <a:spcAft>
+                <a:spcPts val="0"/>
+              </a:spcAft>
+              <a:buSzPts val="1100"/>
+              <a:buChar char="○"/>
+            </a:pPr>
+            <a:r>
+              <a:rPr lang="en"/>
+              <a:t>“i will have a their bring life  sponer fight.”</a:t>
+            </a:r>
+            <a:endParaRPr/>
+          </a:p>
+          <a:p>
+            <a:pPr indent="0" lvl="0" marL="914400" rtl="0" algn="l">
+              <a:spcBef>
+                <a:spcPts val="1200"/>
+              </a:spcBef>
+              <a:spcAft>
+                <a:spcPts val="1200"/>
+              </a:spcAft>
+              <a:buNone/>
+            </a:pPr>
+            <a:r>
+              <a:t/>
+            </a:r>
+            <a:endParaRPr/>
+          </a:p>
+        </p:txBody>
+      </p:sp>
+    </p:spTree>
+  </p:cSld>
+  <p:clrMapOvr>
+    <a:masterClrMapping/>
+  </p:clrMapOvr>
+</p:sld>
+</file>
+
+<file path=ppt/slides/slide12.xml><?xml version="1.0" encoding="utf-8"?>
+<p:sld xmlns:a="http://schemas.openxmlformats.org/drawingml/2006/main" xmlns:r="http://schemas.openxmlformats.org/officeDocument/2006/relationships" xmlns:mc="http://schemas.openxmlformats.org/markup-compatibility/2006" xmlns:mv="urn:schemas-microsoft-com:mac:vml" xmlns:p="http://schemas.openxmlformats.org/presentationml/2006/main" xmlns:c="http://schemas.openxmlformats.org/drawingml/2006/chart" xmlns:dgm="http://schemas.openxmlformats.org/drawingml/2006/diagram" xmlns:o="urn:schemas-microsoft-com:office:office" xmlns:v="urn:schemas-microsoft-com:vml" xmlns:pvml="urn:schemas-microsoft-com:office:powerpoint" xmlns:com="http://schemas.openxmlformats.org/drawingml/2006/compatibility" xmlns:p14="http://schemas.microsoft.com/office/powerpoint/2010/main" xmlns:p15="http://schemas.microsoft.com/office/powerpoint/2012/main" xmlns:ahyp="http://schemas.microsoft.com/office/drawing/2018/hyperlinkcolor">
+  <p:cSld>
+    <p:spTree>
+      <p:nvGrpSpPr>
+        <p:cNvPr id="210" name="Shape 210"/>
+        <p:cNvGrpSpPr/>
+        <p:nvPr/>
+      </p:nvGrpSpPr>
+      <p:grpSpPr>
+        <a:xfrm>
+          <a:off x="0" y="0"/>
+          <a:ext cx="0" cy="0"/>
+          <a:chOff x="0" y="0"/>
+          <a:chExt cx="0" cy="0"/>
+        </a:xfrm>
+      </p:grpSpPr>
+      <p:sp>
+        <p:nvSpPr>
+          <p:cNvPr id="211" name="Google Shape;211;p24"/>
+          <p:cNvSpPr txBox="1"/>
+          <p:nvPr>
+            <p:ph type="title"/>
+          </p:nvPr>
+        </p:nvSpPr>
+        <p:spPr>
+          <a:xfrm>
+            <a:off x="1297500" y="393750"/>
+            <a:ext cx="7038900" cy="914100"/>
+          </a:xfrm>
+          <a:prstGeom prst="rect">
+            <a:avLst/>
+          </a:prstGeom>
+        </p:spPr>
+        <p:txBody>
+          <a:bodyPr anchorCtr="0" anchor="t" bIns="91425" lIns="91425" spcFirstLastPara="1" rIns="91425" wrap="square" tIns="91425">
+            <a:normAutofit/>
+          </a:bodyPr>
+          <a:lstStyle/>
+          <a:p>
+            <a:pPr indent="0" lvl="0" marL="0" rtl="0" algn="l">
+              <a:spcBef>
+                <a:spcPts val="0"/>
+              </a:spcBef>
+              <a:spcAft>
+                <a:spcPts val="0"/>
+              </a:spcAft>
+              <a:buNone/>
+            </a:pPr>
+            <a:r>
+              <a:rPr lang="en"/>
+              <a:t>GPT-2 Model</a:t>
+            </a:r>
+            <a:endParaRPr/>
+          </a:p>
+        </p:txBody>
+      </p:sp>
+      <p:sp>
+        <p:nvSpPr>
+          <p:cNvPr id="212" name="Google Shape;212;p24"/>
           <p:cNvSpPr txBox="1"/>
           <p:nvPr>
             <p:ph idx="1" type="body"/>
@@ -11897,7 +12306,7 @@
       </p:sp>
       <p:pic>
         <p:nvPicPr>
-          <p:cNvPr id="203" name="Google Shape;203;p23"/>
+          <p:cNvPr id="213" name="Google Shape;213;p24"/>
           <p:cNvPicPr preferRelativeResize="0"/>
           <p:nvPr/>
         </p:nvPicPr>
@@ -11931,12 +12340,12 @@
 </p:sld>
 </file>
 
-<file path=ppt/slides/slide12.xml><?xml version="1.0" encoding="utf-8"?>
+<file path=ppt/slides/slide13.xml><?xml version="1.0" encoding="utf-8"?>
 <p:sld xmlns:a="http://schemas.openxmlformats.org/drawingml/2006/main" xmlns:r="http://schemas.openxmlformats.org/officeDocument/2006/relationships" xmlns:mc="http://schemas.openxmlformats.org/markup-compatibility/2006" xmlns:mv="urn:schemas-microsoft-com:mac:vml" xmlns:p="http://schemas.openxmlformats.org/presentationml/2006/main" xmlns:c="http://schemas.openxmlformats.org/drawingml/2006/chart" xmlns:dgm="http://schemas.openxmlformats.org/drawingml/2006/diagram" xmlns:o="urn:schemas-microsoft-com:office:office" xmlns:v="urn:schemas-microsoft-com:vml" xmlns:pvml="urn:schemas-microsoft-com:office:powerpoint" xmlns:com="http://schemas.openxmlformats.org/drawingml/2006/compatibility" xmlns:p14="http://schemas.microsoft.com/office/powerpoint/2010/main" xmlns:p15="http://schemas.microsoft.com/office/powerpoint/2012/main" xmlns:ahyp="http://schemas.microsoft.com/office/drawing/2018/hyperlinkcolor">
   <p:cSld>
     <p:spTree>
       <p:nvGrpSpPr>
-        <p:cNvPr id="207" name="Shape 207"/>
+        <p:cNvPr id="217" name="Shape 217"/>
         <p:cNvGrpSpPr/>
         <p:nvPr/>
       </p:nvGrpSpPr>
@@ -11950,7 +12359,7 @@
       </p:grpSpPr>
       <p:sp>
         <p:nvSpPr>
-          <p:cNvPr id="208" name="Google Shape;208;p24"/>
+          <p:cNvPr id="218" name="Google Shape;218;p25"/>
           <p:cNvSpPr txBox="1"/>
           <p:nvPr>
             <p:ph type="title"/>
@@ -11990,7 +12399,7 @@
       </p:sp>
       <p:sp>
         <p:nvSpPr>
-          <p:cNvPr id="209" name="Google Shape;209;p24"/>
+          <p:cNvPr id="219" name="Google Shape;219;p25"/>
           <p:cNvSpPr txBox="1"/>
           <p:nvPr>
             <p:ph idx="1" type="body"/>
@@ -12169,12 +12578,12 @@
 </p:sld>
 </file>
 
-<file path=ppt/slides/slide13.xml><?xml version="1.0" encoding="utf-8"?>
+<file path=ppt/slides/slide14.xml><?xml version="1.0" encoding="utf-8"?>
 <p:sld xmlns:a="http://schemas.openxmlformats.org/drawingml/2006/main" xmlns:r="http://schemas.openxmlformats.org/officeDocument/2006/relationships" xmlns:mc="http://schemas.openxmlformats.org/markup-compatibility/2006" xmlns:mv="urn:schemas-microsoft-com:mac:vml" xmlns:p="http://schemas.openxmlformats.org/presentationml/2006/main" xmlns:c="http://schemas.openxmlformats.org/drawingml/2006/chart" xmlns:dgm="http://schemas.openxmlformats.org/drawingml/2006/diagram" xmlns:o="urn:schemas-microsoft-com:office:office" xmlns:v="urn:schemas-microsoft-com:vml" xmlns:pvml="urn:schemas-microsoft-com:office:powerpoint" xmlns:com="http://schemas.openxmlformats.org/drawingml/2006/compatibility" xmlns:p14="http://schemas.microsoft.com/office/powerpoint/2010/main" xmlns:p15="http://schemas.microsoft.com/office/powerpoint/2012/main" xmlns:ahyp="http://schemas.microsoft.com/office/drawing/2018/hyperlinkcolor">
   <p:cSld>
     <p:spTree>
       <p:nvGrpSpPr>
-        <p:cNvPr id="213" name="Shape 213"/>
+        <p:cNvPr id="223" name="Shape 223"/>
         <p:cNvGrpSpPr/>
         <p:nvPr/>
       </p:nvGrpSpPr>
@@ -12188,7 +12597,7 @@
       </p:grpSpPr>
       <p:sp>
         <p:nvSpPr>
-          <p:cNvPr id="214" name="Google Shape;214;p25"/>
+          <p:cNvPr id="224" name="Google Shape;224;p26"/>
           <p:cNvSpPr txBox="1"/>
           <p:nvPr>
             <p:ph type="title"/>
@@ -12228,7 +12637,7 @@
       </p:sp>
       <p:sp>
         <p:nvSpPr>
-          <p:cNvPr id="215" name="Google Shape;215;p25"/>
+          <p:cNvPr id="225" name="Google Shape;225;p26"/>
           <p:cNvSpPr txBox="1"/>
           <p:nvPr>
             <p:ph idx="1" type="body"/>
@@ -12275,12 +12684,12 @@
 </p:sld>
 </file>
 
-<file path=ppt/slides/slide14.xml><?xml version="1.0" encoding="utf-8"?>
+<file path=ppt/slides/slide15.xml><?xml version="1.0" encoding="utf-8"?>
 <p:sld xmlns:a="http://schemas.openxmlformats.org/drawingml/2006/main" xmlns:r="http://schemas.openxmlformats.org/officeDocument/2006/relationships" xmlns:mc="http://schemas.openxmlformats.org/markup-compatibility/2006" xmlns:mv="urn:schemas-microsoft-com:mac:vml" xmlns:p="http://schemas.openxmlformats.org/presentationml/2006/main" xmlns:c="http://schemas.openxmlformats.org/drawingml/2006/chart" xmlns:dgm="http://schemas.openxmlformats.org/drawingml/2006/diagram" xmlns:o="urn:schemas-microsoft-com:office:office" xmlns:v="urn:schemas-microsoft-com:vml" xmlns:pvml="urn:schemas-microsoft-com:office:powerpoint" xmlns:com="http://schemas.openxmlformats.org/drawingml/2006/compatibility" xmlns:p14="http://schemas.microsoft.com/office/powerpoint/2010/main" xmlns:p15="http://schemas.microsoft.com/office/powerpoint/2012/main" xmlns:ahyp="http://schemas.microsoft.com/office/drawing/2018/hyperlinkcolor">
   <p:cSld>
     <p:spTree>
       <p:nvGrpSpPr>
-        <p:cNvPr id="219" name="Shape 219"/>
+        <p:cNvPr id="229" name="Shape 229"/>
         <p:cNvGrpSpPr/>
         <p:nvPr/>
       </p:nvGrpSpPr>
@@ -12294,7 +12703,7 @@
       </p:grpSpPr>
       <p:sp>
         <p:nvSpPr>
-          <p:cNvPr id="220" name="Google Shape;220;p26"/>
+          <p:cNvPr id="230" name="Google Shape;230;p27"/>
           <p:cNvSpPr txBox="1"/>
           <p:nvPr>
             <p:ph type="title"/>
@@ -12334,7 +12743,7 @@
       </p:sp>
       <p:sp>
         <p:nvSpPr>
-          <p:cNvPr id="221" name="Google Shape;221;p26"/>
+          <p:cNvPr id="231" name="Google Shape;231;p27"/>
           <p:cNvSpPr txBox="1"/>
           <p:nvPr>
             <p:ph idx="1" type="body"/>
@@ -12454,7 +12863,7 @@
       </p:sp>
       <p:pic>
         <p:nvPicPr>
-          <p:cNvPr descr="Joe Biden - Wikipedia" id="222" name="Google Shape;222;p26"/>
+          <p:cNvPr descr="Joe Biden - Wikipedia" id="232" name="Google Shape;232;p27"/>
           <p:cNvPicPr preferRelativeResize="0"/>
           <p:nvPr/>
         </p:nvPicPr>
@@ -12488,12 +12897,12 @@
 </p:sld>
 </file>
 
-<file path=ppt/slides/slide15.xml><?xml version="1.0" encoding="utf-8"?>
+<file path=ppt/slides/slide16.xml><?xml version="1.0" encoding="utf-8"?>
 <p:sld xmlns:a="http://schemas.openxmlformats.org/drawingml/2006/main" xmlns:r="http://schemas.openxmlformats.org/officeDocument/2006/relationships" xmlns:mc="http://schemas.openxmlformats.org/markup-compatibility/2006" xmlns:mv="urn:schemas-microsoft-com:mac:vml" xmlns:p="http://schemas.openxmlformats.org/presentationml/2006/main" xmlns:c="http://schemas.openxmlformats.org/drawingml/2006/chart" xmlns:dgm="http://schemas.openxmlformats.org/drawingml/2006/diagram" xmlns:o="urn:schemas-microsoft-com:office:office" xmlns:v="urn:schemas-microsoft-com:vml" xmlns:pvml="urn:schemas-microsoft-com:office:powerpoint" xmlns:com="http://schemas.openxmlformats.org/drawingml/2006/compatibility" xmlns:p14="http://schemas.microsoft.com/office/powerpoint/2010/main" xmlns:p15="http://schemas.microsoft.com/office/powerpoint/2012/main" xmlns:ahyp="http://schemas.microsoft.com/office/drawing/2018/hyperlinkcolor">
   <p:cSld>
     <p:spTree>
       <p:nvGrpSpPr>
-        <p:cNvPr id="226" name="Shape 226"/>
+        <p:cNvPr id="236" name="Shape 236"/>
         <p:cNvGrpSpPr/>
         <p:nvPr/>
       </p:nvGrpSpPr>
@@ -12507,7 +12916,7 @@
       </p:grpSpPr>
       <p:sp>
         <p:nvSpPr>
-          <p:cNvPr id="227" name="Google Shape;227;p27"/>
+          <p:cNvPr id="237" name="Google Shape;237;p28"/>
           <p:cNvSpPr txBox="1"/>
           <p:nvPr>
             <p:ph type="title"/>
@@ -12547,7 +12956,7 @@
       </p:sp>
       <p:sp>
         <p:nvSpPr>
-          <p:cNvPr id="228" name="Google Shape;228;p27"/>
+          <p:cNvPr id="238" name="Google Shape;238;p28"/>
           <p:cNvSpPr txBox="1"/>
           <p:nvPr>
             <p:ph idx="1" type="body"/>
@@ -12681,12 +13090,12 @@
 </p:sld>
 </file>
 
-<file path=ppt/slides/slide16.xml><?xml version="1.0" encoding="utf-8"?>
+<file path=ppt/slides/slide17.xml><?xml version="1.0" encoding="utf-8"?>
 <p:sld xmlns:a="http://schemas.openxmlformats.org/drawingml/2006/main" xmlns:r="http://schemas.openxmlformats.org/officeDocument/2006/relationships" xmlns:mc="http://schemas.openxmlformats.org/markup-compatibility/2006" xmlns:mv="urn:schemas-microsoft-com:mac:vml" xmlns:p="http://schemas.openxmlformats.org/presentationml/2006/main" xmlns:c="http://schemas.openxmlformats.org/drawingml/2006/chart" xmlns:dgm="http://schemas.openxmlformats.org/drawingml/2006/diagram" xmlns:o="urn:schemas-microsoft-com:office:office" xmlns:v="urn:schemas-microsoft-com:vml" xmlns:pvml="urn:schemas-microsoft-com:office:powerpoint" xmlns:com="http://schemas.openxmlformats.org/drawingml/2006/compatibility" xmlns:p14="http://schemas.microsoft.com/office/powerpoint/2010/main" xmlns:p15="http://schemas.microsoft.com/office/powerpoint/2012/main" xmlns:ahyp="http://schemas.microsoft.com/office/drawing/2018/hyperlinkcolor">
   <p:cSld>
     <p:spTree>
       <p:nvGrpSpPr>
-        <p:cNvPr id="232" name="Shape 232"/>
+        <p:cNvPr id="242" name="Shape 242"/>
         <p:cNvGrpSpPr/>
         <p:nvPr/>
       </p:nvGrpSpPr>
@@ -12700,7 +13109,7 @@
       </p:grpSpPr>
       <p:sp>
         <p:nvSpPr>
-          <p:cNvPr id="233" name="Google Shape;233;p28"/>
+          <p:cNvPr id="243" name="Google Shape;243;p29"/>
           <p:cNvSpPr txBox="1"/>
           <p:nvPr>
             <p:ph type="title"/>
@@ -12740,7 +13149,7 @@
       </p:sp>
       <p:sp>
         <p:nvSpPr>
-          <p:cNvPr id="234" name="Google Shape;234;p28"/>
+          <p:cNvPr id="244" name="Google Shape;244;p29"/>
           <p:cNvSpPr txBox="1"/>
           <p:nvPr>
             <p:ph idx="1" type="body"/>
@@ -12882,12 +13291,12 @@
 </p:sld>
 </file>
 
-<file path=ppt/slides/slide17.xml><?xml version="1.0" encoding="utf-8"?>
+<file path=ppt/slides/slide18.xml><?xml version="1.0" encoding="utf-8"?>
 <p:sld xmlns:a="http://schemas.openxmlformats.org/drawingml/2006/main" xmlns:r="http://schemas.openxmlformats.org/officeDocument/2006/relationships" xmlns:mc="http://schemas.openxmlformats.org/markup-compatibility/2006" xmlns:mv="urn:schemas-microsoft-com:mac:vml" xmlns:p="http://schemas.openxmlformats.org/presentationml/2006/main" xmlns:c="http://schemas.openxmlformats.org/drawingml/2006/chart" xmlns:dgm="http://schemas.openxmlformats.org/drawingml/2006/diagram" xmlns:o="urn:schemas-microsoft-com:office:office" xmlns:v="urn:schemas-microsoft-com:vml" xmlns:pvml="urn:schemas-microsoft-com:office:powerpoint" xmlns:com="http://schemas.openxmlformats.org/drawingml/2006/compatibility" xmlns:p14="http://schemas.microsoft.com/office/powerpoint/2010/main" xmlns:p15="http://schemas.microsoft.com/office/powerpoint/2012/main" xmlns:ahyp="http://schemas.microsoft.com/office/drawing/2018/hyperlinkcolor">
   <p:cSld>
     <p:spTree>
       <p:nvGrpSpPr>
-        <p:cNvPr id="238" name="Shape 238"/>
+        <p:cNvPr id="248" name="Shape 248"/>
         <p:cNvGrpSpPr/>
         <p:nvPr/>
       </p:nvGrpSpPr>
@@ -12901,7 +13310,7 @@
       </p:grpSpPr>
       <p:sp>
         <p:nvSpPr>
-          <p:cNvPr id="239" name="Google Shape;239;p29"/>
+          <p:cNvPr id="249" name="Google Shape;249;p30"/>
           <p:cNvSpPr txBox="1"/>
           <p:nvPr>
             <p:ph type="title"/>
@@ -12941,7 +13350,7 @@
       </p:sp>
       <p:pic>
         <p:nvPicPr>
-          <p:cNvPr id="240" name="Google Shape;240;p29"/>
+          <p:cNvPr id="250" name="Google Shape;250;p30"/>
           <p:cNvPicPr preferRelativeResize="0"/>
           <p:nvPr/>
         </p:nvPicPr>
@@ -12975,12 +13384,12 @@
 </p:sld>
 </file>
 
-<file path=ppt/slides/slide18.xml><?xml version="1.0" encoding="utf-8"?>
+<file path=ppt/slides/slide19.xml><?xml version="1.0" encoding="utf-8"?>
 <p:sld xmlns:a="http://schemas.openxmlformats.org/drawingml/2006/main" xmlns:r="http://schemas.openxmlformats.org/officeDocument/2006/relationships" xmlns:mc="http://schemas.openxmlformats.org/markup-compatibility/2006" xmlns:mv="urn:schemas-microsoft-com:mac:vml" xmlns:p="http://schemas.openxmlformats.org/presentationml/2006/main" xmlns:c="http://schemas.openxmlformats.org/drawingml/2006/chart" xmlns:dgm="http://schemas.openxmlformats.org/drawingml/2006/diagram" xmlns:o="urn:schemas-microsoft-com:office:office" xmlns:v="urn:schemas-microsoft-com:vml" xmlns:pvml="urn:schemas-microsoft-com:office:powerpoint" xmlns:com="http://schemas.openxmlformats.org/drawingml/2006/compatibility" xmlns:p14="http://schemas.microsoft.com/office/powerpoint/2010/main" xmlns:p15="http://schemas.microsoft.com/office/powerpoint/2012/main" xmlns:ahyp="http://schemas.microsoft.com/office/drawing/2018/hyperlinkcolor">
   <p:cSld>
     <p:spTree>
       <p:nvGrpSpPr>
-        <p:cNvPr id="244" name="Shape 244"/>
+        <p:cNvPr id="254" name="Shape 254"/>
         <p:cNvGrpSpPr/>
         <p:nvPr/>
       </p:nvGrpSpPr>
@@ -12994,7 +13403,7 @@
       </p:grpSpPr>
       <p:sp>
         <p:nvSpPr>
-          <p:cNvPr id="245" name="Google Shape;245;p30"/>
+          <p:cNvPr id="255" name="Google Shape;255;p31"/>
           <p:cNvSpPr txBox="1"/>
           <p:nvPr>
             <p:ph type="title"/>
@@ -13034,7 +13443,7 @@
       </p:sp>
       <p:sp>
         <p:nvSpPr>
-          <p:cNvPr id="246" name="Google Shape;246;p30"/>
+          <p:cNvPr id="256" name="Google Shape;256;p31"/>
           <p:cNvSpPr txBox="1"/>
           <p:nvPr>
             <p:ph idx="1" type="body"/>
@@ -13140,155 +13549,6 @@
           </a:p>
         </p:txBody>
       </p:sp>
-    </p:spTree>
-  </p:cSld>
-  <p:clrMapOvr>
-    <a:masterClrMapping/>
-  </p:clrMapOvr>
-</p:sld>
-</file>
-
-<file path=ppt/slides/slide19.xml><?xml version="1.0" encoding="utf-8"?>
-<p:sld xmlns:a="http://schemas.openxmlformats.org/drawingml/2006/main" xmlns:r="http://schemas.openxmlformats.org/officeDocument/2006/relationships" xmlns:mc="http://schemas.openxmlformats.org/markup-compatibility/2006" xmlns:mv="urn:schemas-microsoft-com:mac:vml" xmlns:p="http://schemas.openxmlformats.org/presentationml/2006/main" xmlns:c="http://schemas.openxmlformats.org/drawingml/2006/chart" xmlns:dgm="http://schemas.openxmlformats.org/drawingml/2006/diagram" xmlns:o="urn:schemas-microsoft-com:office:office" xmlns:v="urn:schemas-microsoft-com:vml" xmlns:pvml="urn:schemas-microsoft-com:office:powerpoint" xmlns:com="http://schemas.openxmlformats.org/drawingml/2006/compatibility" xmlns:p14="http://schemas.microsoft.com/office/powerpoint/2010/main" xmlns:p15="http://schemas.microsoft.com/office/powerpoint/2012/main" xmlns:ahyp="http://schemas.microsoft.com/office/drawing/2018/hyperlinkcolor">
-  <p:cSld>
-    <p:spTree>
-      <p:nvGrpSpPr>
-        <p:cNvPr id="250" name="Shape 250"/>
-        <p:cNvGrpSpPr/>
-        <p:nvPr/>
-      </p:nvGrpSpPr>
-      <p:grpSpPr>
-        <a:xfrm>
-          <a:off x="0" y="0"/>
-          <a:ext cx="0" cy="0"/>
-          <a:chOff x="0" y="0"/>
-          <a:chExt cx="0" cy="0"/>
-        </a:xfrm>
-      </p:grpSpPr>
-      <p:sp>
-        <p:nvSpPr>
-          <p:cNvPr id="251" name="Google Shape;251;p31"/>
-          <p:cNvSpPr txBox="1"/>
-          <p:nvPr>
-            <p:ph type="title"/>
-          </p:nvPr>
-        </p:nvSpPr>
-        <p:spPr>
-          <a:xfrm>
-            <a:off x="1297500" y="393750"/>
-            <a:ext cx="7038900" cy="914100"/>
-          </a:xfrm>
-          <a:prstGeom prst="rect">
-            <a:avLst/>
-          </a:prstGeom>
-        </p:spPr>
-        <p:txBody>
-          <a:bodyPr anchorCtr="0" anchor="t" bIns="91425" lIns="91425" spcFirstLastPara="1" rIns="91425" wrap="square" tIns="91425">
-            <a:normAutofit/>
-          </a:bodyPr>
-          <a:lstStyle/>
-          <a:p>
-            <a:pPr indent="0" lvl="0" marL="0" rtl="0" algn="l">
-              <a:spcBef>
-                <a:spcPts val="0"/>
-              </a:spcBef>
-              <a:spcAft>
-                <a:spcPts val="0"/>
-              </a:spcAft>
-              <a:buNone/>
-            </a:pPr>
-            <a:r>
-              <a:rPr lang="en"/>
-              <a:t>Evaluation Metric: Sentiment Score</a:t>
-            </a:r>
-            <a:endParaRPr/>
-          </a:p>
-        </p:txBody>
-      </p:sp>
-      <p:sp>
-        <p:nvSpPr>
-          <p:cNvPr id="252" name="Google Shape;252;p31"/>
-          <p:cNvSpPr txBox="1"/>
-          <p:nvPr>
-            <p:ph idx="1" type="body"/>
-          </p:nvPr>
-        </p:nvSpPr>
-        <p:spPr>
-          <a:xfrm>
-            <a:off x="1297500" y="1567550"/>
-            <a:ext cx="7038900" cy="2911200"/>
-          </a:xfrm>
-          <a:prstGeom prst="rect">
-            <a:avLst/>
-          </a:prstGeom>
-        </p:spPr>
-        <p:txBody>
-          <a:bodyPr anchorCtr="0" anchor="t" bIns="91425" lIns="91425" spcFirstLastPara="1" rIns="91425" wrap="square" tIns="91425">
-            <a:normAutofit/>
-          </a:bodyPr>
-          <a:lstStyle/>
-          <a:p>
-            <a:pPr indent="-311150" lvl="0" marL="457200" rtl="0" algn="l">
-              <a:spcBef>
-                <a:spcPts val="0"/>
-              </a:spcBef>
-              <a:spcAft>
-                <a:spcPts val="0"/>
-              </a:spcAft>
-              <a:buSzPts val="1300"/>
-              <a:buChar char="●"/>
-            </a:pPr>
-            <a:r>
-              <a:rPr lang="en"/>
-              <a:t>Benchmark: Sentiment Score of generated text can only deviate from score of real text by 0.1 </a:t>
-            </a:r>
-            <a:endParaRPr/>
-          </a:p>
-          <a:p>
-            <a:pPr indent="0" lvl="0" marL="457200" rtl="0" algn="l">
-              <a:spcBef>
-                <a:spcPts val="1200"/>
-              </a:spcBef>
-              <a:spcAft>
-                <a:spcPts val="1200"/>
-              </a:spcAft>
-              <a:buNone/>
-            </a:pPr>
-            <a:r>
-              <a:t/>
-            </a:r>
-            <a:endParaRPr/>
-          </a:p>
-        </p:txBody>
-      </p:sp>
-      <p:pic>
-        <p:nvPicPr>
-          <p:cNvPr id="253" name="Google Shape;253;p31"/>
-          <p:cNvPicPr preferRelativeResize="0"/>
-          <p:nvPr/>
-        </p:nvPicPr>
-        <p:blipFill>
-          <a:blip r:embed="rId3">
-            <a:alphaModFix/>
-          </a:blip>
-          <a:stretch>
-            <a:fillRect/>
-          </a:stretch>
-        </p:blipFill>
-        <p:spPr>
-          <a:xfrm>
-            <a:off x="2904725" y="2396326"/>
-            <a:ext cx="3334550" cy="2415550"/>
-          </a:xfrm>
-          <a:prstGeom prst="rect">
-            <a:avLst/>
-          </a:prstGeom>
-          <a:noFill/>
-          <a:ln>
-            <a:noFill/>
-          </a:ln>
-        </p:spPr>
-      </p:pic>
     </p:spTree>
   </p:cSld>
   <p:clrMapOvr>
@@ -13571,7 +13831,7 @@
   <p:cSld>
     <p:spTree>
       <p:nvGrpSpPr>
-        <p:cNvPr id="257" name="Shape 257"/>
+        <p:cNvPr id="260" name="Shape 260"/>
         <p:cNvGrpSpPr/>
         <p:nvPr/>
       </p:nvGrpSpPr>
@@ -13585,7 +13845,156 @@
       </p:grpSpPr>
       <p:sp>
         <p:nvSpPr>
-          <p:cNvPr id="258" name="Google Shape;258;p32"/>
+          <p:cNvPr id="261" name="Google Shape;261;p32"/>
+          <p:cNvSpPr txBox="1"/>
+          <p:nvPr>
+            <p:ph type="title"/>
+          </p:nvPr>
+        </p:nvSpPr>
+        <p:spPr>
+          <a:xfrm>
+            <a:off x="1297500" y="393750"/>
+            <a:ext cx="7038900" cy="914100"/>
+          </a:xfrm>
+          <a:prstGeom prst="rect">
+            <a:avLst/>
+          </a:prstGeom>
+        </p:spPr>
+        <p:txBody>
+          <a:bodyPr anchorCtr="0" anchor="t" bIns="91425" lIns="91425" spcFirstLastPara="1" rIns="91425" wrap="square" tIns="91425">
+            <a:normAutofit/>
+          </a:bodyPr>
+          <a:lstStyle/>
+          <a:p>
+            <a:pPr indent="0" lvl="0" marL="0" rtl="0" algn="l">
+              <a:spcBef>
+                <a:spcPts val="0"/>
+              </a:spcBef>
+              <a:spcAft>
+                <a:spcPts val="0"/>
+              </a:spcAft>
+              <a:buNone/>
+            </a:pPr>
+            <a:r>
+              <a:rPr lang="en"/>
+              <a:t>Evaluation Metric: Sentiment Score</a:t>
+            </a:r>
+            <a:endParaRPr/>
+          </a:p>
+        </p:txBody>
+      </p:sp>
+      <p:sp>
+        <p:nvSpPr>
+          <p:cNvPr id="262" name="Google Shape;262;p32"/>
+          <p:cNvSpPr txBox="1"/>
+          <p:nvPr>
+            <p:ph idx="1" type="body"/>
+          </p:nvPr>
+        </p:nvSpPr>
+        <p:spPr>
+          <a:xfrm>
+            <a:off x="1297500" y="1567550"/>
+            <a:ext cx="7038900" cy="2911200"/>
+          </a:xfrm>
+          <a:prstGeom prst="rect">
+            <a:avLst/>
+          </a:prstGeom>
+        </p:spPr>
+        <p:txBody>
+          <a:bodyPr anchorCtr="0" anchor="t" bIns="91425" lIns="91425" spcFirstLastPara="1" rIns="91425" wrap="square" tIns="91425">
+            <a:normAutofit/>
+          </a:bodyPr>
+          <a:lstStyle/>
+          <a:p>
+            <a:pPr indent="-311150" lvl="0" marL="457200" rtl="0" algn="l">
+              <a:spcBef>
+                <a:spcPts val="0"/>
+              </a:spcBef>
+              <a:spcAft>
+                <a:spcPts val="0"/>
+              </a:spcAft>
+              <a:buSzPts val="1300"/>
+              <a:buChar char="●"/>
+            </a:pPr>
+            <a:r>
+              <a:rPr lang="en"/>
+              <a:t>Benchmark: Sentiment Score of generated text can only deviate from score of real text by 0.1 </a:t>
+            </a:r>
+            <a:endParaRPr/>
+          </a:p>
+          <a:p>
+            <a:pPr indent="0" lvl="0" marL="457200" rtl="0" algn="l">
+              <a:spcBef>
+                <a:spcPts val="1200"/>
+              </a:spcBef>
+              <a:spcAft>
+                <a:spcPts val="1200"/>
+              </a:spcAft>
+              <a:buNone/>
+            </a:pPr>
+            <a:r>
+              <a:t/>
+            </a:r>
+            <a:endParaRPr/>
+          </a:p>
+        </p:txBody>
+      </p:sp>
+      <p:pic>
+        <p:nvPicPr>
+          <p:cNvPr id="263" name="Google Shape;263;p32"/>
+          <p:cNvPicPr preferRelativeResize="0"/>
+          <p:nvPr/>
+        </p:nvPicPr>
+        <p:blipFill>
+          <a:blip r:embed="rId3">
+            <a:alphaModFix/>
+          </a:blip>
+          <a:stretch>
+            <a:fillRect/>
+          </a:stretch>
+        </p:blipFill>
+        <p:spPr>
+          <a:xfrm>
+            <a:off x="2904725" y="2396326"/>
+            <a:ext cx="3334550" cy="2415550"/>
+          </a:xfrm>
+          <a:prstGeom prst="rect">
+            <a:avLst/>
+          </a:prstGeom>
+          <a:noFill/>
+          <a:ln>
+            <a:noFill/>
+          </a:ln>
+        </p:spPr>
+      </p:pic>
+    </p:spTree>
+  </p:cSld>
+  <p:clrMapOvr>
+    <a:masterClrMapping/>
+  </p:clrMapOvr>
+</p:sld>
+</file>
+
+<file path=ppt/slides/slide21.xml><?xml version="1.0" encoding="utf-8"?>
+<p:sld xmlns:a="http://schemas.openxmlformats.org/drawingml/2006/main" xmlns:r="http://schemas.openxmlformats.org/officeDocument/2006/relationships" xmlns:mc="http://schemas.openxmlformats.org/markup-compatibility/2006" xmlns:mv="urn:schemas-microsoft-com:mac:vml" xmlns:p="http://schemas.openxmlformats.org/presentationml/2006/main" xmlns:c="http://schemas.openxmlformats.org/drawingml/2006/chart" xmlns:dgm="http://schemas.openxmlformats.org/drawingml/2006/diagram" xmlns:o="urn:schemas-microsoft-com:office:office" xmlns:v="urn:schemas-microsoft-com:vml" xmlns:pvml="urn:schemas-microsoft-com:office:powerpoint" xmlns:com="http://schemas.openxmlformats.org/drawingml/2006/compatibility" xmlns:p14="http://schemas.microsoft.com/office/powerpoint/2010/main" xmlns:p15="http://schemas.microsoft.com/office/powerpoint/2012/main" xmlns:ahyp="http://schemas.microsoft.com/office/drawing/2018/hyperlinkcolor">
+  <p:cSld>
+    <p:spTree>
+      <p:nvGrpSpPr>
+        <p:cNvPr id="267" name="Shape 267"/>
+        <p:cNvGrpSpPr/>
+        <p:nvPr/>
+      </p:nvGrpSpPr>
+      <p:grpSpPr>
+        <a:xfrm>
+          <a:off x="0" y="0"/>
+          <a:ext cx="0" cy="0"/>
+          <a:chOff x="0" y="0"/>
+          <a:chExt cx="0" cy="0"/>
+        </a:xfrm>
+      </p:grpSpPr>
+      <p:sp>
+        <p:nvSpPr>
+          <p:cNvPr id="268" name="Google Shape;268;p33"/>
           <p:cNvSpPr txBox="1"/>
           <p:nvPr>
             <p:ph type="title"/>
@@ -13640,7 +14049,7 @@
       </p:sp>
       <p:sp>
         <p:nvSpPr>
-          <p:cNvPr id="259" name="Google Shape;259;p32"/>
+          <p:cNvPr id="269" name="Google Shape;269;p33"/>
           <p:cNvSpPr txBox="1"/>
           <p:nvPr>
             <p:ph idx="1" type="body"/>
@@ -13726,7 +14135,7 @@
       </p:sp>
       <p:pic>
         <p:nvPicPr>
-          <p:cNvPr id="260" name="Google Shape;260;p32"/>
+          <p:cNvPr id="270" name="Google Shape;270;p33"/>
           <p:cNvPicPr preferRelativeResize="0"/>
           <p:nvPr/>
         </p:nvPicPr>
@@ -13760,12 +14169,12 @@
 </p:sld>
 </file>
 
-<file path=ppt/slides/slide21.xml><?xml version="1.0" encoding="utf-8"?>
+<file path=ppt/slides/slide22.xml><?xml version="1.0" encoding="utf-8"?>
 <p:sld xmlns:a="http://schemas.openxmlformats.org/drawingml/2006/main" xmlns:r="http://schemas.openxmlformats.org/officeDocument/2006/relationships" xmlns:mc="http://schemas.openxmlformats.org/markup-compatibility/2006" xmlns:mv="urn:schemas-microsoft-com:mac:vml" xmlns:p="http://schemas.openxmlformats.org/presentationml/2006/main" xmlns:c="http://schemas.openxmlformats.org/drawingml/2006/chart" xmlns:dgm="http://schemas.openxmlformats.org/drawingml/2006/diagram" xmlns:o="urn:schemas-microsoft-com:office:office" xmlns:v="urn:schemas-microsoft-com:vml" xmlns:pvml="urn:schemas-microsoft-com:office:powerpoint" xmlns:com="http://schemas.openxmlformats.org/drawingml/2006/compatibility" xmlns:p14="http://schemas.microsoft.com/office/powerpoint/2010/main" xmlns:p15="http://schemas.microsoft.com/office/powerpoint/2012/main" xmlns:ahyp="http://schemas.microsoft.com/office/drawing/2018/hyperlinkcolor">
   <p:cSld>
     <p:spTree>
       <p:nvGrpSpPr>
-        <p:cNvPr id="264" name="Shape 264"/>
+        <p:cNvPr id="274" name="Shape 274"/>
         <p:cNvGrpSpPr/>
         <p:nvPr/>
       </p:nvGrpSpPr>
@@ -13779,7 +14188,7 @@
       </p:grpSpPr>
       <p:sp>
         <p:nvSpPr>
-          <p:cNvPr id="265" name="Google Shape;265;p33"/>
+          <p:cNvPr id="275" name="Google Shape;275;p34"/>
           <p:cNvSpPr txBox="1"/>
           <p:nvPr>
             <p:ph type="title"/>
@@ -13819,7 +14228,7 @@
       </p:sp>
       <p:sp>
         <p:nvSpPr>
-          <p:cNvPr id="266" name="Google Shape;266;p33"/>
+          <p:cNvPr id="276" name="Google Shape;276;p34"/>
           <p:cNvSpPr txBox="1"/>
           <p:nvPr>
             <p:ph idx="1" type="body"/>
@@ -13938,12 +14347,12 @@
 </p:sld>
 </file>
 
-<file path=ppt/slides/slide22.xml><?xml version="1.0" encoding="utf-8"?>
+<file path=ppt/slides/slide23.xml><?xml version="1.0" encoding="utf-8"?>
 <p:sld xmlns:a="http://schemas.openxmlformats.org/drawingml/2006/main" xmlns:r="http://schemas.openxmlformats.org/officeDocument/2006/relationships" xmlns:mc="http://schemas.openxmlformats.org/markup-compatibility/2006" xmlns:mv="urn:schemas-microsoft-com:mac:vml" xmlns:p="http://schemas.openxmlformats.org/presentationml/2006/main" xmlns:c="http://schemas.openxmlformats.org/drawingml/2006/chart" xmlns:dgm="http://schemas.openxmlformats.org/drawingml/2006/diagram" xmlns:o="urn:schemas-microsoft-com:office:office" xmlns:v="urn:schemas-microsoft-com:vml" xmlns:pvml="urn:schemas-microsoft-com:office:powerpoint" xmlns:com="http://schemas.openxmlformats.org/drawingml/2006/compatibility" xmlns:p14="http://schemas.microsoft.com/office/powerpoint/2010/main" xmlns:p15="http://schemas.microsoft.com/office/powerpoint/2012/main" xmlns:ahyp="http://schemas.microsoft.com/office/drawing/2018/hyperlinkcolor">
   <p:cSld>
     <p:spTree>
       <p:nvGrpSpPr>
-        <p:cNvPr id="270" name="Shape 270"/>
+        <p:cNvPr id="280" name="Shape 280"/>
         <p:cNvGrpSpPr/>
         <p:nvPr/>
       </p:nvGrpSpPr>
@@ -13957,7 +14366,7 @@
       </p:grpSpPr>
       <p:sp>
         <p:nvSpPr>
-          <p:cNvPr id="271" name="Google Shape;271;p34"/>
+          <p:cNvPr id="281" name="Google Shape;281;p35"/>
           <p:cNvSpPr txBox="1"/>
           <p:nvPr>
             <p:ph type="title"/>
@@ -13997,7 +14406,7 @@
       </p:sp>
       <p:sp>
         <p:nvSpPr>
-          <p:cNvPr id="272" name="Google Shape;272;p34"/>
+          <p:cNvPr id="282" name="Google Shape;282;p35"/>
           <p:cNvSpPr txBox="1"/>
           <p:nvPr>
             <p:ph idx="1" type="body"/>
@@ -14140,12 +14549,12 @@
 </p:sld>
 </file>
 
-<file path=ppt/slides/slide23.xml><?xml version="1.0" encoding="utf-8"?>
+<file path=ppt/slides/slide24.xml><?xml version="1.0" encoding="utf-8"?>
 <p:sld xmlns:a="http://schemas.openxmlformats.org/drawingml/2006/main" xmlns:r="http://schemas.openxmlformats.org/officeDocument/2006/relationships" xmlns:mc="http://schemas.openxmlformats.org/markup-compatibility/2006" xmlns:mv="urn:schemas-microsoft-com:mac:vml" xmlns:p="http://schemas.openxmlformats.org/presentationml/2006/main" xmlns:c="http://schemas.openxmlformats.org/drawingml/2006/chart" xmlns:dgm="http://schemas.openxmlformats.org/drawingml/2006/diagram" xmlns:o="urn:schemas-microsoft-com:office:office" xmlns:v="urn:schemas-microsoft-com:vml" xmlns:pvml="urn:schemas-microsoft-com:office:powerpoint" xmlns:com="http://schemas.openxmlformats.org/drawingml/2006/compatibility" xmlns:p14="http://schemas.microsoft.com/office/powerpoint/2010/main" xmlns:p15="http://schemas.microsoft.com/office/powerpoint/2012/main" xmlns:ahyp="http://schemas.microsoft.com/office/drawing/2018/hyperlinkcolor">
   <p:cSld>
     <p:spTree>
       <p:nvGrpSpPr>
-        <p:cNvPr id="276" name="Shape 276"/>
+        <p:cNvPr id="286" name="Shape 286"/>
         <p:cNvGrpSpPr/>
         <p:nvPr/>
       </p:nvGrpSpPr>
@@ -14159,7 +14568,7 @@
       </p:grpSpPr>
       <p:sp>
         <p:nvSpPr>
-          <p:cNvPr id="277" name="Google Shape;277;p35"/>
+          <p:cNvPr id="287" name="Google Shape;287;p36"/>
           <p:cNvSpPr txBox="1"/>
           <p:nvPr>
             <p:ph type="title"/>
@@ -14199,7 +14608,7 @@
       </p:sp>
       <p:sp>
         <p:nvSpPr>
-          <p:cNvPr id="278" name="Google Shape;278;p35"/>
+          <p:cNvPr id="288" name="Google Shape;288;p36"/>
           <p:cNvSpPr txBox="1"/>
           <p:nvPr>
             <p:ph idx="1" type="body"/>
@@ -14355,12 +14764,12 @@
 </p:sld>
 </file>
 
-<file path=ppt/slides/slide24.xml><?xml version="1.0" encoding="utf-8"?>
+<file path=ppt/slides/slide25.xml><?xml version="1.0" encoding="utf-8"?>
 <p:sld xmlns:a="http://schemas.openxmlformats.org/drawingml/2006/main" xmlns:r="http://schemas.openxmlformats.org/officeDocument/2006/relationships" xmlns:mc="http://schemas.openxmlformats.org/markup-compatibility/2006" xmlns:mv="urn:schemas-microsoft-com:mac:vml" xmlns:p="http://schemas.openxmlformats.org/presentationml/2006/main" xmlns:c="http://schemas.openxmlformats.org/drawingml/2006/chart" xmlns:dgm="http://schemas.openxmlformats.org/drawingml/2006/diagram" xmlns:o="urn:schemas-microsoft-com:office:office" xmlns:v="urn:schemas-microsoft-com:vml" xmlns:pvml="urn:schemas-microsoft-com:office:powerpoint" xmlns:com="http://schemas.openxmlformats.org/drawingml/2006/compatibility" xmlns:p14="http://schemas.microsoft.com/office/powerpoint/2010/main" xmlns:p15="http://schemas.microsoft.com/office/powerpoint/2012/main" xmlns:ahyp="http://schemas.microsoft.com/office/drawing/2018/hyperlinkcolor">
   <p:cSld>
     <p:spTree>
       <p:nvGrpSpPr>
-        <p:cNvPr id="282" name="Shape 282"/>
+        <p:cNvPr id="292" name="Shape 292"/>
         <p:cNvGrpSpPr/>
         <p:nvPr/>
       </p:nvGrpSpPr>
@@ -14374,7 +14783,7 @@
       </p:grpSpPr>
       <p:sp>
         <p:nvSpPr>
-          <p:cNvPr id="283" name="Google Shape;283;p36"/>
+          <p:cNvPr id="293" name="Google Shape;293;p37"/>
           <p:cNvSpPr txBox="1"/>
           <p:nvPr>
             <p:ph type="ctrTitle"/>
@@ -14978,7 +15387,7 @@
             </a:pPr>
             <a:r>
               <a:rPr lang="en"/>
-              <a:t>Data Preprocessing</a:t>
+              <a:t>Data</a:t>
             </a:r>
             <a:endParaRPr/>
           </a:p>
@@ -15007,93 +15416,53 @@
           </a:bodyPr>
           <a:lstStyle/>
           <a:p>
-            <a:pPr indent="-311150" lvl="0" marL="457200" rtl="0" algn="l">
-              <a:spcBef>
-                <a:spcPts val="0"/>
-              </a:spcBef>
-              <a:spcAft>
-                <a:spcPts val="0"/>
-              </a:spcAft>
-              <a:buSzPts val="1300"/>
+            <a:pPr indent="0" lvl="0" marL="0" rtl="0" algn="l">
+              <a:spcBef>
+                <a:spcPts val="0"/>
+              </a:spcBef>
+              <a:spcAft>
+                <a:spcPts val="0"/>
+              </a:spcAft>
+              <a:buNone/>
+            </a:pPr>
+            <a:r>
+              <a:t/>
+            </a:r>
+            <a:endParaRPr/>
+          </a:p>
+          <a:p>
+            <a:pPr indent="-317500" lvl="0" marL="457200" rtl="0" algn="l">
+              <a:spcBef>
+                <a:spcPts val="1200"/>
+              </a:spcBef>
+              <a:spcAft>
+                <a:spcPts val="0"/>
+              </a:spcAft>
+              <a:buSzPts val="1400"/>
               <a:buChar char="●"/>
             </a:pPr>
             <a:r>
-              <a:rPr lang="en"/>
-              <a:t>Data processing entailed:</a:t>
-            </a:r>
-            <a:endParaRPr/>
-          </a:p>
-          <a:p>
-            <a:pPr indent="-298450" lvl="1" marL="914400" rtl="0" algn="l">
-              <a:spcBef>
-                <a:spcPts val="0"/>
-              </a:spcBef>
-              <a:spcAft>
-                <a:spcPts val="0"/>
-              </a:spcAft>
-              <a:buSzPts val="1100"/>
+              <a:rPr lang="en" sz="1400"/>
+              <a:t>Dataset</a:t>
+            </a:r>
+            <a:endParaRPr sz="1400"/>
+          </a:p>
+          <a:p>
+            <a:pPr indent="-304800" lvl="1" marL="914400" rtl="0" algn="l">
+              <a:spcBef>
+                <a:spcPts val="0"/>
+              </a:spcBef>
+              <a:spcAft>
+                <a:spcPts val="0"/>
+              </a:spcAft>
+              <a:buSzPts val="1200"/>
               <a:buChar char="○"/>
             </a:pPr>
             <a:r>
-              <a:rPr lang="en"/>
-              <a:t>Omission</a:t>
-            </a:r>
-            <a:r>
-              <a:rPr lang="en"/>
-              <a:t> of retweets and null data</a:t>
-            </a:r>
-            <a:endParaRPr/>
-          </a:p>
-          <a:p>
-            <a:pPr indent="-298450" lvl="1" marL="914400" rtl="0" algn="l">
-              <a:spcBef>
-                <a:spcPts val="0"/>
-              </a:spcBef>
-              <a:spcAft>
-                <a:spcPts val="0"/>
-              </a:spcAft>
-              <a:buSzPts val="1100"/>
-              <a:buChar char="○"/>
-            </a:pPr>
-            <a:r>
-              <a:rPr lang="en"/>
-              <a:t>Filtering out characters that are not alphabet, number, or punctuation</a:t>
-            </a:r>
-            <a:endParaRPr/>
-          </a:p>
-          <a:p>
-            <a:pPr indent="-298450" lvl="1" marL="914400" rtl="0" algn="l">
-              <a:spcBef>
-                <a:spcPts val="0"/>
-              </a:spcBef>
-              <a:spcAft>
-                <a:spcPts val="0"/>
-              </a:spcAft>
-              <a:buSzPts val="1100"/>
-              <a:buChar char="○"/>
-            </a:pPr>
-            <a:r>
-              <a:rPr lang="en"/>
-              <a:t>Removal of links and emojis</a:t>
-            </a:r>
-            <a:endParaRPr/>
-          </a:p>
-          <a:p>
-            <a:pPr indent="-298450" lvl="1" marL="914400" rtl="0" algn="l">
-              <a:spcBef>
-                <a:spcPts val="0"/>
-              </a:spcBef>
-              <a:spcAft>
-                <a:spcPts val="0"/>
-              </a:spcAft>
-              <a:buSzPts val="1100"/>
-              <a:buChar char="○"/>
-            </a:pPr>
-            <a:r>
-              <a:rPr lang="en"/>
-              <a:t>Removal of tweets with less than 3 words of text</a:t>
-            </a:r>
-            <a:endParaRPr/>
+              <a:rPr lang="en" sz="1200"/>
+              <a:t>50,000+ tweets of 30 celebrities</a:t>
+            </a:r>
+            <a:endParaRPr sz="1200"/>
           </a:p>
           <a:p>
             <a:pPr indent="0" lvl="0" marL="914400" rtl="0" algn="l">
@@ -15101,29 +15470,12 @@
                 <a:spcPts val="1200"/>
               </a:spcBef>
               <a:spcAft>
-                <a:spcPts val="0"/>
+                <a:spcPts val="1200"/>
               </a:spcAft>
               <a:buNone/>
             </a:pPr>
             <a:r>
               <a:t/>
-            </a:r>
-            <a:endParaRPr/>
-          </a:p>
-          <a:p>
-            <a:pPr indent="-311150" lvl="0" marL="457200" rtl="0" algn="l">
-              <a:spcBef>
-                <a:spcPts val="1200"/>
-              </a:spcBef>
-              <a:spcAft>
-                <a:spcPts val="0"/>
-              </a:spcAft>
-              <a:buSzPts val="1300"/>
-              <a:buChar char="●"/>
-            </a:pPr>
-            <a:r>
-              <a:rPr lang="en"/>
-              <a:t>36,343 Tweets remaining after preprocessing</a:t>
             </a:r>
             <a:endParaRPr/>
           </a:p>
@@ -15131,7 +15483,327 @@
       </p:sp>
       <p:pic>
         <p:nvPicPr>
-          <p:cNvPr descr="5 Advantages of Data Cleansing - Invensis Technologies" id="163" name="Google Shape;163;p17"/>
+          <p:cNvPr descr="Dwayne Johnson Hercules 2014 (cropped).jpg" id="163" name="Google Shape;163;p17"/>
+          <p:cNvPicPr preferRelativeResize="0"/>
+          <p:nvPr/>
+        </p:nvPicPr>
+        <p:blipFill>
+          <a:blip r:embed="rId3">
+            <a:alphaModFix/>
+          </a:blip>
+          <a:stretch>
+            <a:fillRect/>
+          </a:stretch>
+        </p:blipFill>
+        <p:spPr>
+          <a:xfrm>
+            <a:off x="5210000" y="2543843"/>
+            <a:ext cx="1649350" cy="2271605"/>
+          </a:xfrm>
+          <a:prstGeom prst="rect">
+            <a:avLst/>
+          </a:prstGeom>
+          <a:noFill/>
+          <a:ln>
+            <a:noFill/>
+          </a:ln>
+        </p:spPr>
+      </p:pic>
+      <p:pic>
+        <p:nvPicPr>
+          <p:cNvPr id="164" name="Google Shape;164;p17"/>
+          <p:cNvPicPr preferRelativeResize="0"/>
+          <p:nvPr/>
+        </p:nvPicPr>
+        <p:blipFill rotWithShape="1">
+          <a:blip r:embed="rId4">
+            <a:alphaModFix/>
+          </a:blip>
+          <a:srcRect b="2704" l="0" r="0" t="0"/>
+          <a:stretch/>
+        </p:blipFill>
+        <p:spPr>
+          <a:xfrm>
+            <a:off x="7157750" y="2543850"/>
+            <a:ext cx="1552650" cy="2271600"/>
+          </a:xfrm>
+          <a:prstGeom prst="rect">
+            <a:avLst/>
+          </a:prstGeom>
+          <a:noFill/>
+          <a:ln>
+            <a:noFill/>
+          </a:ln>
+        </p:spPr>
+      </p:pic>
+      <p:pic>
+        <p:nvPicPr>
+          <p:cNvPr descr="Official White House presidential portrait. Head shot of Trump smiling in front of the U.S. flag, wearing a dark blue suit jacket with American flag lapel pin, white shirt, and light blue necktie." id="165" name="Google Shape;165;p17"/>
+          <p:cNvPicPr preferRelativeResize="0"/>
+          <p:nvPr/>
+        </p:nvPicPr>
+        <p:blipFill rotWithShape="1">
+          <a:blip r:embed="rId5">
+            <a:alphaModFix/>
+          </a:blip>
+          <a:srcRect b="19817" l="0" r="0" t="9381"/>
+          <a:stretch/>
+        </p:blipFill>
+        <p:spPr>
+          <a:xfrm>
+            <a:off x="7090110" y="679325"/>
+            <a:ext cx="1729115" cy="1552650"/>
+          </a:xfrm>
+          <a:prstGeom prst="rect">
+            <a:avLst/>
+          </a:prstGeom>
+          <a:noFill/>
+          <a:ln>
+            <a:noFill/>
+          </a:ln>
+        </p:spPr>
+      </p:pic>
+      <p:pic>
+        <p:nvPicPr>
+          <p:cNvPr id="166" name="Google Shape;166;p17"/>
+          <p:cNvPicPr preferRelativeResize="0"/>
+          <p:nvPr/>
+        </p:nvPicPr>
+        <p:blipFill>
+          <a:blip r:embed="rId6">
+            <a:alphaModFix/>
+          </a:blip>
+          <a:stretch>
+            <a:fillRect/>
+          </a:stretch>
+        </p:blipFill>
+        <p:spPr>
+          <a:xfrm>
+            <a:off x="5210000" y="679325"/>
+            <a:ext cx="1552650" cy="1552650"/>
+          </a:xfrm>
+          <a:prstGeom prst="rect">
+            <a:avLst/>
+          </a:prstGeom>
+          <a:noFill/>
+          <a:ln>
+            <a:noFill/>
+          </a:ln>
+        </p:spPr>
+      </p:pic>
+    </p:spTree>
+  </p:cSld>
+  <p:clrMapOvr>
+    <a:masterClrMapping/>
+  </p:clrMapOvr>
+</p:sld>
+</file>
+
+<file path=ppt/slides/slide6.xml><?xml version="1.0" encoding="utf-8"?>
+<p:sld xmlns:a="http://schemas.openxmlformats.org/drawingml/2006/main" xmlns:r="http://schemas.openxmlformats.org/officeDocument/2006/relationships" xmlns:mc="http://schemas.openxmlformats.org/markup-compatibility/2006" xmlns:mv="urn:schemas-microsoft-com:mac:vml" xmlns:p="http://schemas.openxmlformats.org/presentationml/2006/main" xmlns:c="http://schemas.openxmlformats.org/drawingml/2006/chart" xmlns:dgm="http://schemas.openxmlformats.org/drawingml/2006/diagram" xmlns:o="urn:schemas-microsoft-com:office:office" xmlns:v="urn:schemas-microsoft-com:vml" xmlns:pvml="urn:schemas-microsoft-com:office:powerpoint" xmlns:com="http://schemas.openxmlformats.org/drawingml/2006/compatibility" xmlns:p14="http://schemas.microsoft.com/office/powerpoint/2010/main" xmlns:p15="http://schemas.microsoft.com/office/powerpoint/2012/main" xmlns:ahyp="http://schemas.microsoft.com/office/drawing/2018/hyperlinkcolor">
+  <p:cSld>
+    <p:spTree>
+      <p:nvGrpSpPr>
+        <p:cNvPr id="170" name="Shape 170"/>
+        <p:cNvGrpSpPr/>
+        <p:nvPr/>
+      </p:nvGrpSpPr>
+      <p:grpSpPr>
+        <a:xfrm>
+          <a:off x="0" y="0"/>
+          <a:ext cx="0" cy="0"/>
+          <a:chOff x="0" y="0"/>
+          <a:chExt cx="0" cy="0"/>
+        </a:xfrm>
+      </p:grpSpPr>
+      <p:sp>
+        <p:nvSpPr>
+          <p:cNvPr id="171" name="Google Shape;171;p18"/>
+          <p:cNvSpPr txBox="1"/>
+          <p:nvPr>
+            <p:ph type="title"/>
+          </p:nvPr>
+        </p:nvSpPr>
+        <p:spPr>
+          <a:xfrm>
+            <a:off x="1297500" y="393750"/>
+            <a:ext cx="7038900" cy="914100"/>
+          </a:xfrm>
+          <a:prstGeom prst="rect">
+            <a:avLst/>
+          </a:prstGeom>
+        </p:spPr>
+        <p:txBody>
+          <a:bodyPr anchorCtr="0" anchor="t" bIns="91425" lIns="91425" spcFirstLastPara="1" rIns="91425" wrap="square" tIns="91425">
+            <a:normAutofit/>
+          </a:bodyPr>
+          <a:lstStyle/>
+          <a:p>
+            <a:pPr indent="0" lvl="0" marL="0" rtl="0" algn="l">
+              <a:spcBef>
+                <a:spcPts val="0"/>
+              </a:spcBef>
+              <a:spcAft>
+                <a:spcPts val="0"/>
+              </a:spcAft>
+              <a:buNone/>
+            </a:pPr>
+            <a:r>
+              <a:rPr lang="en"/>
+              <a:t>Data Preprocessing</a:t>
+            </a:r>
+            <a:endParaRPr/>
+          </a:p>
+        </p:txBody>
+      </p:sp>
+      <p:sp>
+        <p:nvSpPr>
+          <p:cNvPr id="172" name="Google Shape;172;p18"/>
+          <p:cNvSpPr txBox="1"/>
+          <p:nvPr>
+            <p:ph idx="1" type="body"/>
+          </p:nvPr>
+        </p:nvSpPr>
+        <p:spPr>
+          <a:xfrm>
+            <a:off x="1297500" y="1567550"/>
+            <a:ext cx="7038900" cy="2911200"/>
+          </a:xfrm>
+          <a:prstGeom prst="rect">
+            <a:avLst/>
+          </a:prstGeom>
+        </p:spPr>
+        <p:txBody>
+          <a:bodyPr anchorCtr="0" anchor="t" bIns="91425" lIns="91425" spcFirstLastPara="1" rIns="91425" wrap="square" tIns="91425">
+            <a:normAutofit/>
+          </a:bodyPr>
+          <a:lstStyle/>
+          <a:p>
+            <a:pPr indent="-311150" lvl="0" marL="457200" rtl="0" algn="l">
+              <a:spcBef>
+                <a:spcPts val="0"/>
+              </a:spcBef>
+              <a:spcAft>
+                <a:spcPts val="0"/>
+              </a:spcAft>
+              <a:buSzPts val="1300"/>
+              <a:buChar char="●"/>
+            </a:pPr>
+            <a:r>
+              <a:rPr lang="en"/>
+              <a:t>Data processing entailed:</a:t>
+            </a:r>
+            <a:endParaRPr/>
+          </a:p>
+          <a:p>
+            <a:pPr indent="-298450" lvl="1" marL="914400" rtl="0" algn="l">
+              <a:spcBef>
+                <a:spcPts val="0"/>
+              </a:spcBef>
+              <a:spcAft>
+                <a:spcPts val="0"/>
+              </a:spcAft>
+              <a:buSzPts val="1100"/>
+              <a:buChar char="○"/>
+            </a:pPr>
+            <a:r>
+              <a:rPr lang="en"/>
+              <a:t>Omission</a:t>
+            </a:r>
+            <a:r>
+              <a:rPr lang="en"/>
+              <a:t> of retweets and null data</a:t>
+            </a:r>
+            <a:endParaRPr/>
+          </a:p>
+          <a:p>
+            <a:pPr indent="-298450" lvl="1" marL="914400" rtl="0" algn="l">
+              <a:spcBef>
+                <a:spcPts val="0"/>
+              </a:spcBef>
+              <a:spcAft>
+                <a:spcPts val="0"/>
+              </a:spcAft>
+              <a:buSzPts val="1100"/>
+              <a:buChar char="○"/>
+            </a:pPr>
+            <a:r>
+              <a:rPr lang="en"/>
+              <a:t>Filtering out characters that are not alphabet, number, or punctuation</a:t>
+            </a:r>
+            <a:endParaRPr/>
+          </a:p>
+          <a:p>
+            <a:pPr indent="-298450" lvl="1" marL="914400" rtl="0" algn="l">
+              <a:spcBef>
+                <a:spcPts val="0"/>
+              </a:spcBef>
+              <a:spcAft>
+                <a:spcPts val="0"/>
+              </a:spcAft>
+              <a:buSzPts val="1100"/>
+              <a:buChar char="○"/>
+            </a:pPr>
+            <a:r>
+              <a:rPr lang="en"/>
+              <a:t>Removal of links and emojis</a:t>
+            </a:r>
+            <a:endParaRPr/>
+          </a:p>
+          <a:p>
+            <a:pPr indent="-298450" lvl="1" marL="914400" rtl="0" algn="l">
+              <a:spcBef>
+                <a:spcPts val="0"/>
+              </a:spcBef>
+              <a:spcAft>
+                <a:spcPts val="0"/>
+              </a:spcAft>
+              <a:buSzPts val="1100"/>
+              <a:buChar char="○"/>
+            </a:pPr>
+            <a:r>
+              <a:rPr lang="en"/>
+              <a:t>Removal of tweets with less than 3 words of text</a:t>
+            </a:r>
+            <a:endParaRPr/>
+          </a:p>
+          <a:p>
+            <a:pPr indent="0" lvl="0" marL="914400" rtl="0" algn="l">
+              <a:spcBef>
+                <a:spcPts val="1200"/>
+              </a:spcBef>
+              <a:spcAft>
+                <a:spcPts val="0"/>
+              </a:spcAft>
+              <a:buNone/>
+            </a:pPr>
+            <a:r>
+              <a:t/>
+            </a:r>
+            <a:endParaRPr/>
+          </a:p>
+          <a:p>
+            <a:pPr indent="-311150" lvl="0" marL="457200" rtl="0" algn="l">
+              <a:spcBef>
+                <a:spcPts val="1200"/>
+              </a:spcBef>
+              <a:spcAft>
+                <a:spcPts val="0"/>
+              </a:spcAft>
+              <a:buSzPts val="1300"/>
+              <a:buChar char="●"/>
+            </a:pPr>
+            <a:r>
+              <a:rPr lang="en"/>
+              <a:t>36,343 Tweets remaining after preprocessing</a:t>
+            </a:r>
+            <a:endParaRPr/>
+          </a:p>
+        </p:txBody>
+      </p:sp>
+      <p:pic>
+        <p:nvPicPr>
+          <p:cNvPr descr="5 Advantages of Data Cleansing - Invensis Technologies" id="173" name="Google Shape;173;p18"/>
           <p:cNvPicPr preferRelativeResize="0"/>
           <p:nvPr/>
         </p:nvPicPr>
@@ -15165,12 +15837,12 @@
 </p:sld>
 </file>
 
-<file path=ppt/slides/slide6.xml><?xml version="1.0" encoding="utf-8"?>
+<file path=ppt/slides/slide7.xml><?xml version="1.0" encoding="utf-8"?>
 <p:sld xmlns:a="http://schemas.openxmlformats.org/drawingml/2006/main" xmlns:r="http://schemas.openxmlformats.org/officeDocument/2006/relationships" xmlns:mc="http://schemas.openxmlformats.org/markup-compatibility/2006" xmlns:mv="urn:schemas-microsoft-com:mac:vml" xmlns:p="http://schemas.openxmlformats.org/presentationml/2006/main" xmlns:c="http://schemas.openxmlformats.org/drawingml/2006/chart" xmlns:dgm="http://schemas.openxmlformats.org/drawingml/2006/diagram" xmlns:o="urn:schemas-microsoft-com:office:office" xmlns:v="urn:schemas-microsoft-com:vml" xmlns:pvml="urn:schemas-microsoft-com:office:powerpoint" xmlns:com="http://schemas.openxmlformats.org/drawingml/2006/compatibility" xmlns:p14="http://schemas.microsoft.com/office/powerpoint/2010/main" xmlns:p15="http://schemas.microsoft.com/office/powerpoint/2012/main" xmlns:ahyp="http://schemas.microsoft.com/office/drawing/2018/hyperlinkcolor">
   <p:cSld>
     <p:spTree>
       <p:nvGrpSpPr>
-        <p:cNvPr id="167" name="Shape 167"/>
+        <p:cNvPr id="177" name="Shape 177"/>
         <p:cNvGrpSpPr/>
         <p:nvPr/>
       </p:nvGrpSpPr>
@@ -15184,7 +15856,7 @@
       </p:grpSpPr>
       <p:sp>
         <p:nvSpPr>
-          <p:cNvPr id="168" name="Google Shape;168;p18"/>
+          <p:cNvPr id="178" name="Google Shape;178;p19"/>
           <p:cNvSpPr txBox="1"/>
           <p:nvPr>
             <p:ph type="title"/>
@@ -15224,7 +15896,7 @@
       </p:sp>
       <p:sp>
         <p:nvSpPr>
-          <p:cNvPr id="169" name="Google Shape;169;p18"/>
+          <p:cNvPr id="179" name="Google Shape;179;p19"/>
           <p:cNvSpPr txBox="1"/>
           <p:nvPr>
             <p:ph idx="1" type="body"/>
@@ -15299,7 +15971,7 @@
       </p:sp>
       <p:pic>
         <p:nvPicPr>
-          <p:cNvPr id="170" name="Google Shape;170;p18"/>
+          <p:cNvPr id="180" name="Google Shape;180;p19"/>
           <p:cNvPicPr preferRelativeResize="0"/>
           <p:nvPr/>
         </p:nvPicPr>
@@ -15333,12 +16005,12 @@
 </p:sld>
 </file>
 
-<file path=ppt/slides/slide7.xml><?xml version="1.0" encoding="utf-8"?>
+<file path=ppt/slides/slide8.xml><?xml version="1.0" encoding="utf-8"?>
 <p:sld xmlns:a="http://schemas.openxmlformats.org/drawingml/2006/main" xmlns:r="http://schemas.openxmlformats.org/officeDocument/2006/relationships" xmlns:mc="http://schemas.openxmlformats.org/markup-compatibility/2006" xmlns:mv="urn:schemas-microsoft-com:mac:vml" xmlns:p="http://schemas.openxmlformats.org/presentationml/2006/main" xmlns:c="http://schemas.openxmlformats.org/drawingml/2006/chart" xmlns:dgm="http://schemas.openxmlformats.org/drawingml/2006/diagram" xmlns:o="urn:schemas-microsoft-com:office:office" xmlns:v="urn:schemas-microsoft-com:vml" xmlns:pvml="urn:schemas-microsoft-com:office:powerpoint" xmlns:com="http://schemas.openxmlformats.org/drawingml/2006/compatibility" xmlns:p14="http://schemas.microsoft.com/office/powerpoint/2010/main" xmlns:p15="http://schemas.microsoft.com/office/powerpoint/2012/main" xmlns:ahyp="http://schemas.microsoft.com/office/drawing/2018/hyperlinkcolor">
   <p:cSld>
     <p:spTree>
       <p:nvGrpSpPr>
-        <p:cNvPr id="174" name="Shape 174"/>
+        <p:cNvPr id="184" name="Shape 184"/>
         <p:cNvGrpSpPr/>
         <p:nvPr/>
       </p:nvGrpSpPr>
@@ -15352,7 +16024,7 @@
       </p:grpSpPr>
       <p:sp>
         <p:nvSpPr>
-          <p:cNvPr id="175" name="Google Shape;175;p19"/>
+          <p:cNvPr id="185" name="Google Shape;185;p20"/>
           <p:cNvSpPr txBox="1"/>
           <p:nvPr>
             <p:ph type="title"/>
@@ -15392,7 +16064,7 @@
       </p:sp>
       <p:sp>
         <p:nvSpPr>
-          <p:cNvPr id="176" name="Google Shape;176;p19"/>
+          <p:cNvPr id="186" name="Google Shape;186;p20"/>
           <p:cNvSpPr txBox="1"/>
           <p:nvPr>
             <p:ph idx="1" type="body"/>
@@ -15448,7 +16120,7 @@
       </p:sp>
       <p:pic>
         <p:nvPicPr>
-          <p:cNvPr descr="Measure for Measure: The Language of Measuring | Merriam-Webster" id="177" name="Google Shape;177;p19"/>
+          <p:cNvPr descr="Measure for Measure: The Language of Measuring | Merriam-Webster" id="187" name="Google Shape;187;p20"/>
           <p:cNvPicPr preferRelativeResize="0"/>
           <p:nvPr/>
         </p:nvPicPr>
@@ -15482,12 +16154,12 @@
 </p:sld>
 </file>
 
-<file path=ppt/slides/slide8.xml><?xml version="1.0" encoding="utf-8"?>
+<file path=ppt/slides/slide9.xml><?xml version="1.0" encoding="utf-8"?>
 <p:sld xmlns:a="http://schemas.openxmlformats.org/drawingml/2006/main" xmlns:r="http://schemas.openxmlformats.org/officeDocument/2006/relationships" xmlns:mc="http://schemas.openxmlformats.org/markup-compatibility/2006" xmlns:mv="urn:schemas-microsoft-com:mac:vml" xmlns:p="http://schemas.openxmlformats.org/presentationml/2006/main" xmlns:c="http://schemas.openxmlformats.org/drawingml/2006/chart" xmlns:dgm="http://schemas.openxmlformats.org/drawingml/2006/diagram" xmlns:o="urn:schemas-microsoft-com:office:office" xmlns:v="urn:schemas-microsoft-com:vml" xmlns:pvml="urn:schemas-microsoft-com:office:powerpoint" xmlns:com="http://schemas.openxmlformats.org/drawingml/2006/compatibility" xmlns:p14="http://schemas.microsoft.com/office/powerpoint/2010/main" xmlns:p15="http://schemas.microsoft.com/office/powerpoint/2012/main" xmlns:ahyp="http://schemas.microsoft.com/office/drawing/2018/hyperlinkcolor">
   <p:cSld>
     <p:spTree>
       <p:nvGrpSpPr>
-        <p:cNvPr id="181" name="Shape 181"/>
+        <p:cNvPr id="191" name="Shape 191"/>
         <p:cNvGrpSpPr/>
         <p:nvPr/>
       </p:nvGrpSpPr>
@@ -15501,7 +16173,7 @@
       </p:grpSpPr>
       <p:sp>
         <p:nvSpPr>
-          <p:cNvPr id="182" name="Google Shape;182;p20"/>
+          <p:cNvPr id="192" name="Google Shape;192;p21"/>
           <p:cNvSpPr txBox="1"/>
           <p:nvPr>
             <p:ph type="title"/>
@@ -15541,7 +16213,7 @@
       </p:sp>
       <p:sp>
         <p:nvSpPr>
-          <p:cNvPr id="183" name="Google Shape;183;p20"/>
+          <p:cNvPr id="193" name="Google Shape;193;p21"/>
           <p:cNvSpPr txBox="1"/>
           <p:nvPr>
             <p:ph idx="1" type="body"/>
@@ -15748,315 +16420,6 @@
           </a:p>
         </p:txBody>
       </p:sp>
-    </p:spTree>
-  </p:cSld>
-  <p:clrMapOvr>
-    <a:masterClrMapping/>
-  </p:clrMapOvr>
-</p:sld>
-</file>
-
-<file path=ppt/slides/slide9.xml><?xml version="1.0" encoding="utf-8"?>
-<p:sld xmlns:a="http://schemas.openxmlformats.org/drawingml/2006/main" xmlns:r="http://schemas.openxmlformats.org/officeDocument/2006/relationships" xmlns:mc="http://schemas.openxmlformats.org/markup-compatibility/2006" xmlns:mv="urn:schemas-microsoft-com:mac:vml" xmlns:p="http://schemas.openxmlformats.org/presentationml/2006/main" xmlns:c="http://schemas.openxmlformats.org/drawingml/2006/chart" xmlns:dgm="http://schemas.openxmlformats.org/drawingml/2006/diagram" xmlns:o="urn:schemas-microsoft-com:office:office" xmlns:v="urn:schemas-microsoft-com:vml" xmlns:pvml="urn:schemas-microsoft-com:office:powerpoint" xmlns:com="http://schemas.openxmlformats.org/drawingml/2006/compatibility" xmlns:p14="http://schemas.microsoft.com/office/powerpoint/2010/main" xmlns:p15="http://schemas.microsoft.com/office/powerpoint/2012/main" xmlns:ahyp="http://schemas.microsoft.com/office/drawing/2018/hyperlinkcolor">
-  <p:cSld>
-    <p:spTree>
-      <p:nvGrpSpPr>
-        <p:cNvPr id="187" name="Shape 187"/>
-        <p:cNvGrpSpPr/>
-        <p:nvPr/>
-      </p:nvGrpSpPr>
-      <p:grpSpPr>
-        <a:xfrm>
-          <a:off x="0" y="0"/>
-          <a:ext cx="0" cy="0"/>
-          <a:chOff x="0" y="0"/>
-          <a:chExt cx="0" cy="0"/>
-        </a:xfrm>
-      </p:grpSpPr>
-      <p:sp>
-        <p:nvSpPr>
-          <p:cNvPr id="188" name="Google Shape;188;p21"/>
-          <p:cNvSpPr txBox="1"/>
-          <p:nvPr>
-            <p:ph type="title"/>
-          </p:nvPr>
-        </p:nvSpPr>
-        <p:spPr>
-          <a:xfrm>
-            <a:off x="1297500" y="393750"/>
-            <a:ext cx="7038900" cy="914100"/>
-          </a:xfrm>
-          <a:prstGeom prst="rect">
-            <a:avLst/>
-          </a:prstGeom>
-        </p:spPr>
-        <p:txBody>
-          <a:bodyPr anchorCtr="0" anchor="t" bIns="91425" lIns="91425" spcFirstLastPara="1" rIns="91425" wrap="square" tIns="91425">
-            <a:normAutofit/>
-          </a:bodyPr>
-          <a:lstStyle/>
-          <a:p>
-            <a:pPr indent="0" lvl="0" marL="0" rtl="0" algn="l">
-              <a:spcBef>
-                <a:spcPts val="0"/>
-              </a:spcBef>
-              <a:spcAft>
-                <a:spcPts val="0"/>
-              </a:spcAft>
-              <a:buNone/>
-            </a:pPr>
-            <a:r>
-              <a:rPr lang="en"/>
-              <a:t>Recurrent Neural Network Models</a:t>
-            </a:r>
-            <a:endParaRPr/>
-          </a:p>
-        </p:txBody>
-      </p:sp>
-      <p:sp>
-        <p:nvSpPr>
-          <p:cNvPr id="189" name="Google Shape;189;p21"/>
-          <p:cNvSpPr txBox="1"/>
-          <p:nvPr>
-            <p:ph idx="1" type="body"/>
-          </p:nvPr>
-        </p:nvSpPr>
-        <p:spPr>
-          <a:xfrm>
-            <a:off x="1297500" y="1567550"/>
-            <a:ext cx="7038900" cy="2911200"/>
-          </a:xfrm>
-          <a:prstGeom prst="rect">
-            <a:avLst/>
-          </a:prstGeom>
-        </p:spPr>
-        <p:txBody>
-          <a:bodyPr anchorCtr="0" anchor="t" bIns="91425" lIns="91425" spcFirstLastPara="1" rIns="91425" wrap="square" tIns="91425">
-            <a:normAutofit/>
-          </a:bodyPr>
-          <a:lstStyle/>
-          <a:p>
-            <a:pPr indent="-311150" lvl="0" marL="457200" rtl="0" algn="l">
-              <a:spcBef>
-                <a:spcPts val="0"/>
-              </a:spcBef>
-              <a:spcAft>
-                <a:spcPts val="0"/>
-              </a:spcAft>
-              <a:buSzPts val="1300"/>
-              <a:buChar char="●"/>
-            </a:pPr>
-            <a:r>
-              <a:rPr lang="en"/>
-              <a:t>Train a model to predict the following character of a given sequence</a:t>
-            </a:r>
-            <a:endParaRPr/>
-          </a:p>
-          <a:p>
-            <a:pPr indent="-311150" lvl="0" marL="457200" rtl="0" algn="l">
-              <a:spcBef>
-                <a:spcPts val="0"/>
-              </a:spcBef>
-              <a:spcAft>
-                <a:spcPts val="0"/>
-              </a:spcAft>
-              <a:buSzPts val="1300"/>
-              <a:buChar char="●"/>
-            </a:pPr>
-            <a:r>
-              <a:rPr lang="en"/>
-              <a:t>Tweets turned into sequences with 50 characters with 1 </a:t>
-            </a:r>
-            <a:r>
-              <a:rPr lang="en"/>
-              <a:t>character</a:t>
-            </a:r>
-            <a:r>
-              <a:rPr lang="en"/>
-              <a:t> output</a:t>
-            </a:r>
-            <a:endParaRPr/>
-          </a:p>
-          <a:p>
-            <a:pPr indent="-311150" lvl="0" marL="457200" rtl="0" algn="l">
-              <a:spcBef>
-                <a:spcPts val="0"/>
-              </a:spcBef>
-              <a:spcAft>
-                <a:spcPts val="0"/>
-              </a:spcAft>
-              <a:buSzPts val="1300"/>
-              <a:buChar char="●"/>
-            </a:pPr>
-            <a:r>
-              <a:rPr lang="en"/>
-              <a:t>Two models:</a:t>
-            </a:r>
-            <a:endParaRPr/>
-          </a:p>
-          <a:p>
-            <a:pPr indent="-298450" lvl="1" marL="914400" rtl="0" algn="l">
-              <a:spcBef>
-                <a:spcPts val="0"/>
-              </a:spcBef>
-              <a:spcAft>
-                <a:spcPts val="0"/>
-              </a:spcAft>
-              <a:buSzPts val="1100"/>
-              <a:buChar char="○"/>
-            </a:pPr>
-            <a:r>
-              <a:rPr lang="en"/>
-              <a:t>1 baseline (No complexities)</a:t>
-            </a:r>
-            <a:endParaRPr/>
-          </a:p>
-          <a:p>
-            <a:pPr indent="-298450" lvl="1" marL="914400" rtl="0" algn="l">
-              <a:spcBef>
-                <a:spcPts val="0"/>
-              </a:spcBef>
-              <a:spcAft>
-                <a:spcPts val="0"/>
-              </a:spcAft>
-              <a:buSzPts val="1100"/>
-              <a:buChar char="○"/>
-            </a:pPr>
-            <a:r>
-              <a:rPr lang="en"/>
-              <a:t>1 modified </a:t>
-            </a:r>
-            <a:endParaRPr/>
-          </a:p>
-          <a:p>
-            <a:pPr indent="-311150" lvl="0" marL="457200" rtl="0" algn="l">
-              <a:spcBef>
-                <a:spcPts val="0"/>
-              </a:spcBef>
-              <a:spcAft>
-                <a:spcPts val="0"/>
-              </a:spcAft>
-              <a:buSzPts val="1300"/>
-              <a:buChar char="●"/>
-            </a:pPr>
-            <a:r>
-              <a:rPr lang="en"/>
-              <a:t>Tweaked parameters:</a:t>
-            </a:r>
-            <a:endParaRPr/>
-          </a:p>
-          <a:p>
-            <a:pPr indent="-298450" lvl="1" marL="914400" rtl="0" algn="l">
-              <a:spcBef>
-                <a:spcPts val="0"/>
-              </a:spcBef>
-              <a:spcAft>
-                <a:spcPts val="0"/>
-              </a:spcAft>
-              <a:buSzPts val="1100"/>
-              <a:buChar char="○"/>
-            </a:pPr>
-            <a:r>
-              <a:rPr lang="en"/>
-              <a:t>Number of layers and  neurons</a:t>
-            </a:r>
-            <a:endParaRPr/>
-          </a:p>
-          <a:p>
-            <a:pPr indent="-298450" lvl="1" marL="914400" rtl="0" algn="l">
-              <a:spcBef>
-                <a:spcPts val="0"/>
-              </a:spcBef>
-              <a:spcAft>
-                <a:spcPts val="0"/>
-              </a:spcAft>
-              <a:buSzPts val="1100"/>
-              <a:buChar char="○"/>
-            </a:pPr>
-            <a:r>
-              <a:rPr lang="en"/>
-              <a:t>Activation function</a:t>
-            </a:r>
-            <a:endParaRPr/>
-          </a:p>
-          <a:p>
-            <a:pPr indent="-298450" lvl="1" marL="914400" rtl="0" algn="l">
-              <a:spcBef>
-                <a:spcPts val="0"/>
-              </a:spcBef>
-              <a:spcAft>
-                <a:spcPts val="0"/>
-              </a:spcAft>
-              <a:buSzPts val="1100"/>
-              <a:buChar char="○"/>
-            </a:pPr>
-            <a:r>
-              <a:rPr lang="en"/>
-              <a:t>Learning rate</a:t>
-            </a:r>
-            <a:endParaRPr/>
-          </a:p>
-          <a:p>
-            <a:pPr indent="-298450" lvl="1" marL="914400" rtl="0" algn="l">
-              <a:spcBef>
-                <a:spcPts val="0"/>
-              </a:spcBef>
-              <a:spcAft>
-                <a:spcPts val="0"/>
-              </a:spcAft>
-              <a:buSzPts val="1100"/>
-              <a:buChar char="○"/>
-            </a:pPr>
-            <a:r>
-              <a:rPr lang="en"/>
-              <a:t>Temperature </a:t>
-            </a:r>
-            <a:endParaRPr/>
-          </a:p>
-          <a:p>
-            <a:pPr indent="0" lvl="0" marL="457200" rtl="0" algn="l">
-              <a:spcBef>
-                <a:spcPts val="1200"/>
-              </a:spcBef>
-              <a:spcAft>
-                <a:spcPts val="1200"/>
-              </a:spcAft>
-              <a:buNone/>
-            </a:pPr>
-            <a:r>
-              <a:t/>
-            </a:r>
-            <a:endParaRPr/>
-          </a:p>
-        </p:txBody>
-      </p:sp>
-      <p:pic>
-        <p:nvPicPr>
-          <p:cNvPr id="190" name="Google Shape;190;p21"/>
-          <p:cNvPicPr preferRelativeResize="0"/>
-          <p:nvPr/>
-        </p:nvPicPr>
-        <p:blipFill rotWithShape="1">
-          <a:blip r:embed="rId3">
-            <a:alphaModFix/>
-          </a:blip>
-          <a:srcRect b="0" l="7295" r="7073" t="0"/>
-          <a:stretch/>
-        </p:blipFill>
-        <p:spPr>
-          <a:xfrm>
-            <a:off x="4586275" y="2505675"/>
-            <a:ext cx="4275525" cy="1336500"/>
-          </a:xfrm>
-          <a:prstGeom prst="rect">
-            <a:avLst/>
-          </a:prstGeom>
-          <a:noFill/>
-          <a:ln>
-            <a:noFill/>
-          </a:ln>
-        </p:spPr>
-      </p:pic>
     </p:spTree>
   </p:cSld>
   <p:clrMapOvr>
